--- a/3rd_semester/Data_Science_with_python/PPT/Unit_3/Confusion_matrix_And_Decision_tree.pptx
+++ b/3rd_semester/Data_Science_with_python/PPT/Unit_3/Confusion_matrix_And_Decision_tree.pptx
@@ -342,7 +342,7 @@
           <a:p>
             <a:fld id="{05539CE1-D551-4371-9B4B-BDFD5D6C04F2}" type="datetimeFigureOut">
               <a:rPr lang="en-IN" smtClean="0"/>
-              <a:t>18-10-2024</a:t>
+              <a:t>21-10-2024</a:t>
             </a:fld>
             <a:endParaRPr lang="en-IN"/>
           </a:p>
@@ -512,7 +512,7 @@
           <a:p>
             <a:fld id="{05539CE1-D551-4371-9B4B-BDFD5D6C04F2}" type="datetimeFigureOut">
               <a:rPr lang="en-IN" smtClean="0"/>
-              <a:t>18-10-2024</a:t>
+              <a:t>21-10-2024</a:t>
             </a:fld>
             <a:endParaRPr lang="en-IN"/>
           </a:p>
@@ -692,7 +692,7 @@
           <a:p>
             <a:fld id="{05539CE1-D551-4371-9B4B-BDFD5D6C04F2}" type="datetimeFigureOut">
               <a:rPr lang="en-IN" smtClean="0"/>
-              <a:t>18-10-2024</a:t>
+              <a:t>21-10-2024</a:t>
             </a:fld>
             <a:endParaRPr lang="en-IN"/>
           </a:p>
@@ -862,7 +862,7 @@
           <a:p>
             <a:fld id="{05539CE1-D551-4371-9B4B-BDFD5D6C04F2}" type="datetimeFigureOut">
               <a:rPr lang="en-IN" smtClean="0"/>
-              <a:t>18-10-2024</a:t>
+              <a:t>21-10-2024</a:t>
             </a:fld>
             <a:endParaRPr lang="en-IN"/>
           </a:p>
@@ -1108,7 +1108,7 @@
           <a:p>
             <a:fld id="{05539CE1-D551-4371-9B4B-BDFD5D6C04F2}" type="datetimeFigureOut">
               <a:rPr lang="en-IN" smtClean="0"/>
-              <a:t>18-10-2024</a:t>
+              <a:t>21-10-2024</a:t>
             </a:fld>
             <a:endParaRPr lang="en-IN"/>
           </a:p>
@@ -1340,7 +1340,7 @@
           <a:p>
             <a:fld id="{05539CE1-D551-4371-9B4B-BDFD5D6C04F2}" type="datetimeFigureOut">
               <a:rPr lang="en-IN" smtClean="0"/>
-              <a:t>18-10-2024</a:t>
+              <a:t>21-10-2024</a:t>
             </a:fld>
             <a:endParaRPr lang="en-IN"/>
           </a:p>
@@ -1707,7 +1707,7 @@
           <a:p>
             <a:fld id="{05539CE1-D551-4371-9B4B-BDFD5D6C04F2}" type="datetimeFigureOut">
               <a:rPr lang="en-IN" smtClean="0"/>
-              <a:t>18-10-2024</a:t>
+              <a:t>21-10-2024</a:t>
             </a:fld>
             <a:endParaRPr lang="en-IN"/>
           </a:p>
@@ -1825,7 +1825,7 @@
           <a:p>
             <a:fld id="{05539CE1-D551-4371-9B4B-BDFD5D6C04F2}" type="datetimeFigureOut">
               <a:rPr lang="en-IN" smtClean="0"/>
-              <a:t>18-10-2024</a:t>
+              <a:t>21-10-2024</a:t>
             </a:fld>
             <a:endParaRPr lang="en-IN"/>
           </a:p>
@@ -1920,7 +1920,7 @@
           <a:p>
             <a:fld id="{05539CE1-D551-4371-9B4B-BDFD5D6C04F2}" type="datetimeFigureOut">
               <a:rPr lang="en-IN" smtClean="0"/>
-              <a:t>18-10-2024</a:t>
+              <a:t>21-10-2024</a:t>
             </a:fld>
             <a:endParaRPr lang="en-IN"/>
           </a:p>
@@ -2197,7 +2197,7 @@
           <a:p>
             <a:fld id="{05539CE1-D551-4371-9B4B-BDFD5D6C04F2}" type="datetimeFigureOut">
               <a:rPr lang="en-IN" smtClean="0"/>
-              <a:t>18-10-2024</a:t>
+              <a:t>21-10-2024</a:t>
             </a:fld>
             <a:endParaRPr lang="en-IN"/>
           </a:p>
@@ -2450,7 +2450,7 @@
           <a:p>
             <a:fld id="{05539CE1-D551-4371-9B4B-BDFD5D6C04F2}" type="datetimeFigureOut">
               <a:rPr lang="en-IN" smtClean="0"/>
-              <a:t>18-10-2024</a:t>
+              <a:t>21-10-2024</a:t>
             </a:fld>
             <a:endParaRPr lang="en-IN"/>
           </a:p>
@@ -2663,7 +2663,7 @@
           <a:p>
             <a:fld id="{05539CE1-D551-4371-9B4B-BDFD5D6C04F2}" type="datetimeFigureOut">
               <a:rPr lang="en-IN" smtClean="0"/>
-              <a:t>18-10-2024</a:t>
+              <a:t>21-10-2024</a:t>
             </a:fld>
             <a:endParaRPr lang="en-IN"/>
           </a:p>
@@ -3073,7 +3073,7 @@
           <p:cNvPr id="2" name="Title 1">
             <a:extLst>
               <a:ext uri="{FF2B5EF4-FFF2-40B4-BE49-F238E27FC236}">
-                <a16:creationId xmlns="" xmlns:a16="http://schemas.microsoft.com/office/drawing/2014/main" id="{80C2A2CA-06B6-4E6F-8AC0-2EA128376E10}"/>
+                <a16:creationId xmlns:a16="http://schemas.microsoft.com/office/drawing/2014/main" xmlns="" id="{80C2A2CA-06B6-4E6F-8AC0-2EA128376E10}"/>
               </a:ext>
             </a:extLst>
           </p:cNvPr>
@@ -3109,7 +3109,7 @@
           <p:cNvPr id="3" name="Content Placeholder 2">
             <a:extLst>
               <a:ext uri="{FF2B5EF4-FFF2-40B4-BE49-F238E27FC236}">
-                <a16:creationId xmlns="" xmlns:a16="http://schemas.microsoft.com/office/drawing/2014/main" id="{EA68E610-DD25-431B-85F0-D5B68EABBE7F}"/>
+                <a16:creationId xmlns:a16="http://schemas.microsoft.com/office/drawing/2014/main" xmlns="" id="{EA68E610-DD25-431B-85F0-D5B68EABBE7F}"/>
               </a:ext>
             </a:extLst>
           </p:cNvPr>
@@ -3218,7 +3218,7 @@
           <p:cNvPr id="2" name="Title 1">
             <a:extLst>
               <a:ext uri="{FF2B5EF4-FFF2-40B4-BE49-F238E27FC236}">
-                <a16:creationId xmlns="" xmlns:a16="http://schemas.microsoft.com/office/drawing/2014/main" id="{80C2A2CA-06B6-4E6F-8AC0-2EA128376E10}"/>
+                <a16:creationId xmlns:a16="http://schemas.microsoft.com/office/drawing/2014/main" xmlns="" id="{80C2A2CA-06B6-4E6F-8AC0-2EA128376E10}"/>
               </a:ext>
             </a:extLst>
           </p:cNvPr>
@@ -3254,7 +3254,7 @@
           <p:cNvPr id="3" name="Content Placeholder 2">
             <a:extLst>
               <a:ext uri="{FF2B5EF4-FFF2-40B4-BE49-F238E27FC236}">
-                <a16:creationId xmlns="" xmlns:a16="http://schemas.microsoft.com/office/drawing/2014/main" id="{EA68E610-DD25-431B-85F0-D5B68EABBE7F}"/>
+                <a16:creationId xmlns:a16="http://schemas.microsoft.com/office/drawing/2014/main" xmlns="" id="{EA68E610-DD25-431B-85F0-D5B68EABBE7F}"/>
               </a:ext>
             </a:extLst>
           </p:cNvPr>
@@ -3349,7 +3349,7 @@
           <p:cNvPr id="4" name="Picture 3">
             <a:extLst>
               <a:ext uri="{FF2B5EF4-FFF2-40B4-BE49-F238E27FC236}">
-                <a16:creationId xmlns="" xmlns:a16="http://schemas.microsoft.com/office/drawing/2014/main" id="{1595A7D1-60FB-4A72-A8BF-61DB099623A5}"/>
+                <a16:creationId xmlns:a16="http://schemas.microsoft.com/office/drawing/2014/main" xmlns="" id="{1595A7D1-60FB-4A72-A8BF-61DB099623A5}"/>
               </a:ext>
             </a:extLst>
           </p:cNvPr>
@@ -3378,7 +3378,7 @@
           <p:cNvPr id="6" name="Picture 5">
             <a:extLst>
               <a:ext uri="{FF2B5EF4-FFF2-40B4-BE49-F238E27FC236}">
-                <a16:creationId xmlns="" xmlns:a16="http://schemas.microsoft.com/office/drawing/2014/main" id="{F29A575E-2C86-4230-8E24-7E1C1CF055AF}"/>
+                <a16:creationId xmlns:a16="http://schemas.microsoft.com/office/drawing/2014/main" xmlns="" id="{F29A575E-2C86-4230-8E24-7E1C1CF055AF}"/>
               </a:ext>
             </a:extLst>
           </p:cNvPr>
@@ -3593,7 +3593,7 @@
           <p:cNvPr id="2" name="Title 1">
             <a:extLst>
               <a:ext uri="{FF2B5EF4-FFF2-40B4-BE49-F238E27FC236}">
-                <a16:creationId xmlns="" xmlns:a16="http://schemas.microsoft.com/office/drawing/2014/main" id="{80C2A2CA-06B6-4E6F-8AC0-2EA128376E10}"/>
+                <a16:creationId xmlns:a16="http://schemas.microsoft.com/office/drawing/2014/main" xmlns="" id="{80C2A2CA-06B6-4E6F-8AC0-2EA128376E10}"/>
               </a:ext>
             </a:extLst>
           </p:cNvPr>
@@ -3629,7 +3629,7 @@
           <p:cNvPr id="3" name="Content Placeholder 2">
             <a:extLst>
               <a:ext uri="{FF2B5EF4-FFF2-40B4-BE49-F238E27FC236}">
-                <a16:creationId xmlns="" xmlns:a16="http://schemas.microsoft.com/office/drawing/2014/main" id="{EA68E610-DD25-431B-85F0-D5B68EABBE7F}"/>
+                <a16:creationId xmlns:a16="http://schemas.microsoft.com/office/drawing/2014/main" xmlns="" id="{EA68E610-DD25-431B-85F0-D5B68EABBE7F}"/>
               </a:ext>
             </a:extLst>
           </p:cNvPr>
@@ -3771,7 +3771,7 @@
           <p:cNvPr id="2" name="Title 1">
             <a:extLst>
               <a:ext uri="{FF2B5EF4-FFF2-40B4-BE49-F238E27FC236}">
-                <a16:creationId xmlns="" xmlns:a16="http://schemas.microsoft.com/office/drawing/2014/main" id="{80C2A2CA-06B6-4E6F-8AC0-2EA128376E10}"/>
+                <a16:creationId xmlns:a16="http://schemas.microsoft.com/office/drawing/2014/main" xmlns="" id="{80C2A2CA-06B6-4E6F-8AC0-2EA128376E10}"/>
               </a:ext>
             </a:extLst>
           </p:cNvPr>
@@ -3807,7 +3807,7 @@
           <p:cNvPr id="3" name="Content Placeholder 2">
             <a:extLst>
               <a:ext uri="{FF2B5EF4-FFF2-40B4-BE49-F238E27FC236}">
-                <a16:creationId xmlns="" xmlns:a16="http://schemas.microsoft.com/office/drawing/2014/main" id="{EA68E610-DD25-431B-85F0-D5B68EABBE7F}"/>
+                <a16:creationId xmlns:a16="http://schemas.microsoft.com/office/drawing/2014/main" xmlns="" id="{EA68E610-DD25-431B-85F0-D5B68EABBE7F}"/>
               </a:ext>
             </a:extLst>
           </p:cNvPr>
@@ -3934,7 +3934,7 @@
           <p:cNvPr id="6" name="Picture 5">
             <a:extLst>
               <a:ext uri="{FF2B5EF4-FFF2-40B4-BE49-F238E27FC236}">
-                <a16:creationId xmlns="" xmlns:a16="http://schemas.microsoft.com/office/drawing/2014/main" id="{C2280AF9-911E-4386-A3EB-6D2E0A19EBE2}"/>
+                <a16:creationId xmlns:a16="http://schemas.microsoft.com/office/drawing/2014/main" xmlns="" id="{C2280AF9-911E-4386-A3EB-6D2E0A19EBE2}"/>
               </a:ext>
             </a:extLst>
           </p:cNvPr>
@@ -3963,7 +3963,7 @@
           <p:cNvPr id="9" name="Picture 8">
             <a:extLst>
               <a:ext uri="{FF2B5EF4-FFF2-40B4-BE49-F238E27FC236}">
-                <a16:creationId xmlns="" xmlns:a16="http://schemas.microsoft.com/office/drawing/2014/main" id="{F80E3E19-DDC5-40C8-B58B-D11FABD6AF6F}"/>
+                <a16:creationId xmlns:a16="http://schemas.microsoft.com/office/drawing/2014/main" xmlns="" id="{F80E3E19-DDC5-40C8-B58B-D11FABD6AF6F}"/>
               </a:ext>
             </a:extLst>
           </p:cNvPr>
@@ -3993,7 +3993,7 @@
           <p:cNvPr id="10" name="Picture 9">
             <a:extLst>
               <a:ext uri="{FF2B5EF4-FFF2-40B4-BE49-F238E27FC236}">
-                <a16:creationId xmlns="" xmlns:a16="http://schemas.microsoft.com/office/drawing/2014/main" id="{5E17E0C3-9BA9-416E-9717-1293B210D2E8}"/>
+                <a16:creationId xmlns:a16="http://schemas.microsoft.com/office/drawing/2014/main" xmlns="" id="{5E17E0C3-9BA9-416E-9717-1293B210D2E8}"/>
               </a:ext>
             </a:extLst>
           </p:cNvPr>
@@ -4060,7 +4060,7 @@
           <p:cNvPr id="2" name="Title 1">
             <a:extLst>
               <a:ext uri="{FF2B5EF4-FFF2-40B4-BE49-F238E27FC236}">
-                <a16:creationId xmlns="" xmlns:a16="http://schemas.microsoft.com/office/drawing/2014/main" id="{80C2A2CA-06B6-4E6F-8AC0-2EA128376E10}"/>
+                <a16:creationId xmlns:a16="http://schemas.microsoft.com/office/drawing/2014/main" xmlns="" id="{80C2A2CA-06B6-4E6F-8AC0-2EA128376E10}"/>
               </a:ext>
             </a:extLst>
           </p:cNvPr>
@@ -4096,7 +4096,7 @@
           <p:cNvPr id="3" name="Content Placeholder 2">
             <a:extLst>
               <a:ext uri="{FF2B5EF4-FFF2-40B4-BE49-F238E27FC236}">
-                <a16:creationId xmlns="" xmlns:a16="http://schemas.microsoft.com/office/drawing/2014/main" id="{EA68E610-DD25-431B-85F0-D5B68EABBE7F}"/>
+                <a16:creationId xmlns:a16="http://schemas.microsoft.com/office/drawing/2014/main" xmlns="" id="{EA68E610-DD25-431B-85F0-D5B68EABBE7F}"/>
               </a:ext>
             </a:extLst>
           </p:cNvPr>
@@ -4223,7 +4223,7 @@
           <p:cNvPr id="4" name="Picture 3">
             <a:extLst>
               <a:ext uri="{FF2B5EF4-FFF2-40B4-BE49-F238E27FC236}">
-                <a16:creationId xmlns="" xmlns:a16="http://schemas.microsoft.com/office/drawing/2014/main" id="{30A994AA-44AD-4185-9214-394D5AA99FFC}"/>
+                <a16:creationId xmlns:a16="http://schemas.microsoft.com/office/drawing/2014/main" xmlns="" id="{30A994AA-44AD-4185-9214-394D5AA99FFC}"/>
               </a:ext>
             </a:extLst>
           </p:cNvPr>
@@ -4253,7 +4253,7 @@
           <p:cNvPr id="5" name="Picture 4">
             <a:extLst>
               <a:ext uri="{FF2B5EF4-FFF2-40B4-BE49-F238E27FC236}">
-                <a16:creationId xmlns="" xmlns:a16="http://schemas.microsoft.com/office/drawing/2014/main" id="{22A2079A-18EF-4C9F-B236-CEA140A677FE}"/>
+                <a16:creationId xmlns:a16="http://schemas.microsoft.com/office/drawing/2014/main" xmlns="" id="{22A2079A-18EF-4C9F-B236-CEA140A677FE}"/>
               </a:ext>
             </a:extLst>
           </p:cNvPr>
@@ -4283,7 +4283,7 @@
           <p:cNvPr id="9" name="Picture 8">
             <a:extLst>
               <a:ext uri="{FF2B5EF4-FFF2-40B4-BE49-F238E27FC236}">
-                <a16:creationId xmlns="" xmlns:a16="http://schemas.microsoft.com/office/drawing/2014/main" id="{432016B3-8596-43EF-854E-511D4A8A173F}"/>
+                <a16:creationId xmlns:a16="http://schemas.microsoft.com/office/drawing/2014/main" xmlns="" id="{432016B3-8596-43EF-854E-511D4A8A173F}"/>
               </a:ext>
             </a:extLst>
           </p:cNvPr>
@@ -4350,7 +4350,7 @@
           <p:cNvPr id="2" name="Title 1">
             <a:extLst>
               <a:ext uri="{FF2B5EF4-FFF2-40B4-BE49-F238E27FC236}">
-                <a16:creationId xmlns="" xmlns:a16="http://schemas.microsoft.com/office/drawing/2014/main" id="{80C2A2CA-06B6-4E6F-8AC0-2EA128376E10}"/>
+                <a16:creationId xmlns:a16="http://schemas.microsoft.com/office/drawing/2014/main" xmlns="" id="{80C2A2CA-06B6-4E6F-8AC0-2EA128376E10}"/>
               </a:ext>
             </a:extLst>
           </p:cNvPr>
@@ -4386,7 +4386,7 @@
           <p:cNvPr id="3" name="Content Placeholder 2">
             <a:extLst>
               <a:ext uri="{FF2B5EF4-FFF2-40B4-BE49-F238E27FC236}">
-                <a16:creationId xmlns="" xmlns:a16="http://schemas.microsoft.com/office/drawing/2014/main" id="{EA68E610-DD25-431B-85F0-D5B68EABBE7F}"/>
+                <a16:creationId xmlns:a16="http://schemas.microsoft.com/office/drawing/2014/main" xmlns="" id="{EA68E610-DD25-431B-85F0-D5B68EABBE7F}"/>
               </a:ext>
             </a:extLst>
           </p:cNvPr>
@@ -4497,7 +4497,7 @@
           <p:cNvPr id="9" name="Picture 8">
             <a:extLst>
               <a:ext uri="{FF2B5EF4-FFF2-40B4-BE49-F238E27FC236}">
-                <a16:creationId xmlns="" xmlns:a16="http://schemas.microsoft.com/office/drawing/2014/main" id="{432016B3-8596-43EF-854E-511D4A8A173F}"/>
+                <a16:creationId xmlns:a16="http://schemas.microsoft.com/office/drawing/2014/main" xmlns="" id="{432016B3-8596-43EF-854E-511D4A8A173F}"/>
               </a:ext>
             </a:extLst>
           </p:cNvPr>
@@ -4564,7 +4564,7 @@
           <p:cNvPr id="2" name="Title 1">
             <a:extLst>
               <a:ext uri="{FF2B5EF4-FFF2-40B4-BE49-F238E27FC236}">
-                <a16:creationId xmlns="" xmlns:a16="http://schemas.microsoft.com/office/drawing/2014/main" id="{80C2A2CA-06B6-4E6F-8AC0-2EA128376E10}"/>
+                <a16:creationId xmlns:a16="http://schemas.microsoft.com/office/drawing/2014/main" xmlns="" id="{80C2A2CA-06B6-4E6F-8AC0-2EA128376E10}"/>
               </a:ext>
             </a:extLst>
           </p:cNvPr>
@@ -4600,7 +4600,7 @@
           <p:cNvPr id="3" name="Content Placeholder 2">
             <a:extLst>
               <a:ext uri="{FF2B5EF4-FFF2-40B4-BE49-F238E27FC236}">
-                <a16:creationId xmlns="" xmlns:a16="http://schemas.microsoft.com/office/drawing/2014/main" id="{EA68E610-DD25-431B-85F0-D5B68EABBE7F}"/>
+                <a16:creationId xmlns:a16="http://schemas.microsoft.com/office/drawing/2014/main" xmlns="" id="{EA68E610-DD25-431B-85F0-D5B68EABBE7F}"/>
               </a:ext>
             </a:extLst>
           </p:cNvPr>
@@ -4749,7 +4749,7 @@
           <p:cNvPr id="5" name="Picture 4">
             <a:extLst>
               <a:ext uri="{FF2B5EF4-FFF2-40B4-BE49-F238E27FC236}">
-                <a16:creationId xmlns="" xmlns:a16="http://schemas.microsoft.com/office/drawing/2014/main" id="{2FE1B0E6-C505-4B8F-A65A-421BBDD70699}"/>
+                <a16:creationId xmlns:a16="http://schemas.microsoft.com/office/drawing/2014/main" xmlns="" id="{2FE1B0E6-C505-4B8F-A65A-421BBDD70699}"/>
               </a:ext>
             </a:extLst>
           </p:cNvPr>
@@ -4778,7 +4778,7 @@
           <p:cNvPr id="4" name="Picture 3">
             <a:extLst>
               <a:ext uri="{FF2B5EF4-FFF2-40B4-BE49-F238E27FC236}">
-                <a16:creationId xmlns="" xmlns:a16="http://schemas.microsoft.com/office/drawing/2014/main" id="{9ADFBE72-6C35-4057-9001-856C1DD608B2}"/>
+                <a16:creationId xmlns:a16="http://schemas.microsoft.com/office/drawing/2014/main" xmlns="" id="{9ADFBE72-6C35-4057-9001-856C1DD608B2}"/>
               </a:ext>
             </a:extLst>
           </p:cNvPr>
@@ -4808,7 +4808,7 @@
           <p:cNvPr id="7" name="Picture 6">
             <a:extLst>
               <a:ext uri="{FF2B5EF4-FFF2-40B4-BE49-F238E27FC236}">
-                <a16:creationId xmlns="" xmlns:a16="http://schemas.microsoft.com/office/drawing/2014/main" id="{20DC5E87-B5D3-43F1-B5E4-A6CA50610CC4}"/>
+                <a16:creationId xmlns:a16="http://schemas.microsoft.com/office/drawing/2014/main" xmlns="" id="{20DC5E87-B5D3-43F1-B5E4-A6CA50610CC4}"/>
               </a:ext>
             </a:extLst>
           </p:cNvPr>
@@ -4875,7 +4875,7 @@
           <p:cNvPr id="2" name="Title 1">
             <a:extLst>
               <a:ext uri="{FF2B5EF4-FFF2-40B4-BE49-F238E27FC236}">
-                <a16:creationId xmlns="" xmlns:a16="http://schemas.microsoft.com/office/drawing/2014/main" id="{80C2A2CA-06B6-4E6F-8AC0-2EA128376E10}"/>
+                <a16:creationId xmlns:a16="http://schemas.microsoft.com/office/drawing/2014/main" xmlns="" id="{80C2A2CA-06B6-4E6F-8AC0-2EA128376E10}"/>
               </a:ext>
             </a:extLst>
           </p:cNvPr>
@@ -4911,7 +4911,7 @@
           <p:cNvPr id="3" name="Content Placeholder 2">
             <a:extLst>
               <a:ext uri="{FF2B5EF4-FFF2-40B4-BE49-F238E27FC236}">
-                <a16:creationId xmlns="" xmlns:a16="http://schemas.microsoft.com/office/drawing/2014/main" id="{EA68E610-DD25-431B-85F0-D5B68EABBE7F}"/>
+                <a16:creationId xmlns:a16="http://schemas.microsoft.com/office/drawing/2014/main" xmlns="" id="{EA68E610-DD25-431B-85F0-D5B68EABBE7F}"/>
               </a:ext>
             </a:extLst>
           </p:cNvPr>
@@ -5037,7 +5037,7 @@
           <p:cNvPr id="2" name="Title 1">
             <a:extLst>
               <a:ext uri="{FF2B5EF4-FFF2-40B4-BE49-F238E27FC236}">
-                <a16:creationId xmlns="" xmlns:a16="http://schemas.microsoft.com/office/drawing/2014/main" id="{80C2A2CA-06B6-4E6F-8AC0-2EA128376E10}"/>
+                <a16:creationId xmlns:a16="http://schemas.microsoft.com/office/drawing/2014/main" xmlns="" id="{80C2A2CA-06B6-4E6F-8AC0-2EA128376E10}"/>
               </a:ext>
             </a:extLst>
           </p:cNvPr>
@@ -5073,7 +5073,7 @@
           <p:cNvPr id="3" name="Content Placeholder 2">
             <a:extLst>
               <a:ext uri="{FF2B5EF4-FFF2-40B4-BE49-F238E27FC236}">
-                <a16:creationId xmlns="" xmlns:a16="http://schemas.microsoft.com/office/drawing/2014/main" id="{EA68E610-DD25-431B-85F0-D5B68EABBE7F}"/>
+                <a16:creationId xmlns:a16="http://schemas.microsoft.com/office/drawing/2014/main" xmlns="" id="{EA68E610-DD25-431B-85F0-D5B68EABBE7F}"/>
               </a:ext>
             </a:extLst>
           </p:cNvPr>
@@ -5444,7 +5444,7 @@
           <p:cNvPr id="2" name="Title 1">
             <a:extLst>
               <a:ext uri="{FF2B5EF4-FFF2-40B4-BE49-F238E27FC236}">
-                <a16:creationId xmlns="" xmlns:a16="http://schemas.microsoft.com/office/drawing/2014/main" id="{80C2A2CA-06B6-4E6F-8AC0-2EA128376E10}"/>
+                <a16:creationId xmlns:a16="http://schemas.microsoft.com/office/drawing/2014/main" xmlns="" id="{80C2A2CA-06B6-4E6F-8AC0-2EA128376E10}"/>
               </a:ext>
             </a:extLst>
           </p:cNvPr>
@@ -5480,7 +5480,7 @@
           <p:cNvPr id="3" name="Content Placeholder 2">
             <a:extLst>
               <a:ext uri="{FF2B5EF4-FFF2-40B4-BE49-F238E27FC236}">
-                <a16:creationId xmlns="" xmlns:a16="http://schemas.microsoft.com/office/drawing/2014/main" id="{EA68E610-DD25-431B-85F0-D5B68EABBE7F}"/>
+                <a16:creationId xmlns:a16="http://schemas.microsoft.com/office/drawing/2014/main" xmlns="" id="{EA68E610-DD25-431B-85F0-D5B68EABBE7F}"/>
               </a:ext>
             </a:extLst>
           </p:cNvPr>
@@ -5657,7 +5657,7 @@
           <p:cNvPr id="5" name="Picture 4">
             <a:extLst>
               <a:ext uri="{FF2B5EF4-FFF2-40B4-BE49-F238E27FC236}">
-                <a16:creationId xmlns="" xmlns:a16="http://schemas.microsoft.com/office/drawing/2014/main" id="{E4CC2107-2236-47BC-BBE5-E4417F553BA8}"/>
+                <a16:creationId xmlns:a16="http://schemas.microsoft.com/office/drawing/2014/main" xmlns="" id="{E4CC2107-2236-47BC-BBE5-E4417F553BA8}"/>
               </a:ext>
             </a:extLst>
           </p:cNvPr>
@@ -5724,7 +5724,7 @@
           <p:cNvPr id="2" name="Title 1">
             <a:extLst>
               <a:ext uri="{FF2B5EF4-FFF2-40B4-BE49-F238E27FC236}">
-                <a16:creationId xmlns="" xmlns:a16="http://schemas.microsoft.com/office/drawing/2014/main" id="{80C2A2CA-06B6-4E6F-8AC0-2EA128376E10}"/>
+                <a16:creationId xmlns:a16="http://schemas.microsoft.com/office/drawing/2014/main" xmlns="" id="{80C2A2CA-06B6-4E6F-8AC0-2EA128376E10}"/>
               </a:ext>
             </a:extLst>
           </p:cNvPr>
@@ -5760,7 +5760,7 @@
           <p:cNvPr id="3" name="Content Placeholder 2">
             <a:extLst>
               <a:ext uri="{FF2B5EF4-FFF2-40B4-BE49-F238E27FC236}">
-                <a16:creationId xmlns="" xmlns:a16="http://schemas.microsoft.com/office/drawing/2014/main" id="{EA68E610-DD25-431B-85F0-D5B68EABBE7F}"/>
+                <a16:creationId xmlns:a16="http://schemas.microsoft.com/office/drawing/2014/main" xmlns="" id="{EA68E610-DD25-431B-85F0-D5B68EABBE7F}"/>
               </a:ext>
             </a:extLst>
           </p:cNvPr>
@@ -5882,7 +5882,7 @@
           <p:cNvPr id="2" name="Title 1">
             <a:extLst>
               <a:ext uri="{FF2B5EF4-FFF2-40B4-BE49-F238E27FC236}">
-                <a16:creationId xmlns="" xmlns:a16="http://schemas.microsoft.com/office/drawing/2014/main" id="{80C2A2CA-06B6-4E6F-8AC0-2EA128376E10}"/>
+                <a16:creationId xmlns:a16="http://schemas.microsoft.com/office/drawing/2014/main" xmlns="" id="{80C2A2CA-06B6-4E6F-8AC0-2EA128376E10}"/>
               </a:ext>
             </a:extLst>
           </p:cNvPr>
@@ -5918,7 +5918,7 @@
           <p:cNvPr id="3" name="Content Placeholder 2">
             <a:extLst>
               <a:ext uri="{FF2B5EF4-FFF2-40B4-BE49-F238E27FC236}">
-                <a16:creationId xmlns="" xmlns:a16="http://schemas.microsoft.com/office/drawing/2014/main" id="{EA68E610-DD25-431B-85F0-D5B68EABBE7F}"/>
+                <a16:creationId xmlns:a16="http://schemas.microsoft.com/office/drawing/2014/main" xmlns="" id="{EA68E610-DD25-431B-85F0-D5B68EABBE7F}"/>
               </a:ext>
             </a:extLst>
           </p:cNvPr>
@@ -6031,7 +6031,7 @@
           <p:cNvPr id="4" name="Picture 3">
             <a:extLst>
               <a:ext uri="{FF2B5EF4-FFF2-40B4-BE49-F238E27FC236}">
-                <a16:creationId xmlns="" xmlns:a16="http://schemas.microsoft.com/office/drawing/2014/main" id="{1595A7D1-60FB-4A72-A8BF-61DB099623A5}"/>
+                <a16:creationId xmlns:a16="http://schemas.microsoft.com/office/drawing/2014/main" xmlns="" id="{1595A7D1-60FB-4A72-A8BF-61DB099623A5}"/>
               </a:ext>
             </a:extLst>
           </p:cNvPr>
@@ -6060,7 +6060,7 @@
           <p:cNvPr id="5" name="Content Placeholder 2">
             <a:extLst>
               <a:ext uri="{FF2B5EF4-FFF2-40B4-BE49-F238E27FC236}">
-                <a16:creationId xmlns="" xmlns:a16="http://schemas.microsoft.com/office/drawing/2014/main" id="{FB0D15ED-CE05-45C9-A17F-DEFE6262FADC}"/>
+                <a16:creationId xmlns:a16="http://schemas.microsoft.com/office/drawing/2014/main" xmlns="" id="{FB0D15ED-CE05-45C9-A17F-DEFE6262FADC}"/>
               </a:ext>
             </a:extLst>
           </p:cNvPr>
@@ -6298,7 +6298,7 @@
           <p:cNvPr id="2" name="Title 1">
             <a:extLst>
               <a:ext uri="{FF2B5EF4-FFF2-40B4-BE49-F238E27FC236}">
-                <a16:creationId xmlns:a16="http://schemas.microsoft.com/office/drawing/2014/main" xmlns="" id="{80C2A2CA-06B6-4E6F-8AC0-2EA128376E10}"/>
+                <a16:creationId xmlns="" xmlns:a16="http://schemas.microsoft.com/office/drawing/2014/main" id="{80C2A2CA-06B6-4E6F-8AC0-2EA128376E10}"/>
               </a:ext>
             </a:extLst>
           </p:cNvPr>
@@ -6335,7 +6335,7 @@
           <p:cNvPr id="3" name="Content Placeholder 2">
             <a:extLst>
               <a:ext uri="{FF2B5EF4-FFF2-40B4-BE49-F238E27FC236}">
-                <a16:creationId xmlns:a16="http://schemas.microsoft.com/office/drawing/2014/main" xmlns="" id="{EA68E610-DD25-431B-85F0-D5B68EABBE7F}"/>
+                <a16:creationId xmlns="" xmlns:a16="http://schemas.microsoft.com/office/drawing/2014/main" id="{EA68E610-DD25-431B-85F0-D5B68EABBE7F}"/>
               </a:ext>
             </a:extLst>
           </p:cNvPr>
@@ -6456,7 +6456,7 @@
           <p:cNvPr id="4" name="Picture 3">
             <a:extLst>
               <a:ext uri="{FF2B5EF4-FFF2-40B4-BE49-F238E27FC236}">
-                <a16:creationId xmlns:a16="http://schemas.microsoft.com/office/drawing/2014/main" xmlns="" id="{5D288C52-6ACE-499C-B591-D00F6184EFA2}"/>
+                <a16:creationId xmlns="" xmlns:a16="http://schemas.microsoft.com/office/drawing/2014/main" id="{5D288C52-6ACE-499C-B591-D00F6184EFA2}"/>
               </a:ext>
             </a:extLst>
           </p:cNvPr>
@@ -6485,7 +6485,7 @@
           <p:cNvPr id="5" name="Content Placeholder 2">
             <a:extLst>
               <a:ext uri="{FF2B5EF4-FFF2-40B4-BE49-F238E27FC236}">
-                <a16:creationId xmlns:a16="http://schemas.microsoft.com/office/drawing/2014/main" xmlns="" id="{96E0B656-CEE9-410E-9096-A2C22124D938}"/>
+                <a16:creationId xmlns="" xmlns:a16="http://schemas.microsoft.com/office/drawing/2014/main" id="{96E0B656-CEE9-410E-9096-A2C22124D938}"/>
               </a:ext>
             </a:extLst>
           </p:cNvPr>
@@ -6759,7 +6759,7 @@
           <p:cNvPr id="2" name="Title 1">
             <a:extLst>
               <a:ext uri="{FF2B5EF4-FFF2-40B4-BE49-F238E27FC236}">
-                <a16:creationId xmlns:a16="http://schemas.microsoft.com/office/drawing/2014/main" xmlns="" id="{80C2A2CA-06B6-4E6F-8AC0-2EA128376E10}"/>
+                <a16:creationId xmlns="" xmlns:a16="http://schemas.microsoft.com/office/drawing/2014/main" id="{80C2A2CA-06B6-4E6F-8AC0-2EA128376E10}"/>
               </a:ext>
             </a:extLst>
           </p:cNvPr>
@@ -6796,7 +6796,7 @@
           <p:cNvPr id="3" name="Content Placeholder 2">
             <a:extLst>
               <a:ext uri="{FF2B5EF4-FFF2-40B4-BE49-F238E27FC236}">
-                <a16:creationId xmlns:a16="http://schemas.microsoft.com/office/drawing/2014/main" xmlns="" id="{EA68E610-DD25-431B-85F0-D5B68EABBE7F}"/>
+                <a16:creationId xmlns="" xmlns:a16="http://schemas.microsoft.com/office/drawing/2014/main" id="{EA68E610-DD25-431B-85F0-D5B68EABBE7F}"/>
               </a:ext>
             </a:extLst>
           </p:cNvPr>
@@ -6863,7 +6863,7 @@
           <p:cNvPr id="4" name="Picture 3">
             <a:extLst>
               <a:ext uri="{FF2B5EF4-FFF2-40B4-BE49-F238E27FC236}">
-                <a16:creationId xmlns:a16="http://schemas.microsoft.com/office/drawing/2014/main" xmlns="" id="{5D288C52-6ACE-499C-B591-D00F6184EFA2}"/>
+                <a16:creationId xmlns="" xmlns:a16="http://schemas.microsoft.com/office/drawing/2014/main" id="{5D288C52-6ACE-499C-B591-D00F6184EFA2}"/>
               </a:ext>
             </a:extLst>
           </p:cNvPr>
@@ -6892,7 +6892,7 @@
           <p:cNvPr id="5" name="Content Placeholder 2">
             <a:extLst>
               <a:ext uri="{FF2B5EF4-FFF2-40B4-BE49-F238E27FC236}">
-                <a16:creationId xmlns:a16="http://schemas.microsoft.com/office/drawing/2014/main" xmlns="" id="{96E0B656-CEE9-410E-9096-A2C22124D938}"/>
+                <a16:creationId xmlns="" xmlns:a16="http://schemas.microsoft.com/office/drawing/2014/main" id="{96E0B656-CEE9-410E-9096-A2C22124D938}"/>
               </a:ext>
             </a:extLst>
           </p:cNvPr>
@@ -7144,7 +7144,7 @@
           <p:cNvPr id="2" name="Title 1">
             <a:extLst>
               <a:ext uri="{FF2B5EF4-FFF2-40B4-BE49-F238E27FC236}">
-                <a16:creationId xmlns:a16="http://schemas.microsoft.com/office/drawing/2014/main" xmlns="" id="{80C2A2CA-06B6-4E6F-8AC0-2EA128376E10}"/>
+                <a16:creationId xmlns="" xmlns:a16="http://schemas.microsoft.com/office/drawing/2014/main" id="{80C2A2CA-06B6-4E6F-8AC0-2EA128376E10}"/>
               </a:ext>
             </a:extLst>
           </p:cNvPr>
@@ -7181,7 +7181,7 @@
           <p:cNvPr id="3" name="Content Placeholder 2">
             <a:extLst>
               <a:ext uri="{FF2B5EF4-FFF2-40B4-BE49-F238E27FC236}">
-                <a16:creationId xmlns:a16="http://schemas.microsoft.com/office/drawing/2014/main" xmlns="" id="{EA68E610-DD25-431B-85F0-D5B68EABBE7F}"/>
+                <a16:creationId xmlns="" xmlns:a16="http://schemas.microsoft.com/office/drawing/2014/main" id="{EA68E610-DD25-431B-85F0-D5B68EABBE7F}"/>
               </a:ext>
             </a:extLst>
           </p:cNvPr>
@@ -7316,7 +7316,7 @@
           <p:cNvPr id="2" name="Title 1">
             <a:extLst>
               <a:ext uri="{FF2B5EF4-FFF2-40B4-BE49-F238E27FC236}">
-                <a16:creationId xmlns:a16="http://schemas.microsoft.com/office/drawing/2014/main" xmlns="" id="{80C2A2CA-06B6-4E6F-8AC0-2EA128376E10}"/>
+                <a16:creationId xmlns="" xmlns:a16="http://schemas.microsoft.com/office/drawing/2014/main" id="{80C2A2CA-06B6-4E6F-8AC0-2EA128376E10}"/>
               </a:ext>
             </a:extLst>
           </p:cNvPr>
@@ -7353,7 +7353,7 @@
           <p:cNvPr id="3" name="Content Placeholder 2">
             <a:extLst>
               <a:ext uri="{FF2B5EF4-FFF2-40B4-BE49-F238E27FC236}">
-                <a16:creationId xmlns:a16="http://schemas.microsoft.com/office/drawing/2014/main" xmlns="" id="{EA68E610-DD25-431B-85F0-D5B68EABBE7F}"/>
+                <a16:creationId xmlns="" xmlns:a16="http://schemas.microsoft.com/office/drawing/2014/main" id="{EA68E610-DD25-431B-85F0-D5B68EABBE7F}"/>
               </a:ext>
             </a:extLst>
           </p:cNvPr>
@@ -7534,7 +7534,7 @@
           <p:cNvPr id="2" name="Title 1">
             <a:extLst>
               <a:ext uri="{FF2B5EF4-FFF2-40B4-BE49-F238E27FC236}">
-                <a16:creationId xmlns:a16="http://schemas.microsoft.com/office/drawing/2014/main" xmlns="" id="{80C2A2CA-06B6-4E6F-8AC0-2EA128376E10}"/>
+                <a16:creationId xmlns="" xmlns:a16="http://schemas.microsoft.com/office/drawing/2014/main" id="{80C2A2CA-06B6-4E6F-8AC0-2EA128376E10}"/>
               </a:ext>
             </a:extLst>
           </p:cNvPr>
@@ -7571,7 +7571,7 @@
           <p:cNvPr id="3" name="Content Placeholder 2">
             <a:extLst>
               <a:ext uri="{FF2B5EF4-FFF2-40B4-BE49-F238E27FC236}">
-                <a16:creationId xmlns:a16="http://schemas.microsoft.com/office/drawing/2014/main" xmlns="" id="{EA68E610-DD25-431B-85F0-D5B68EABBE7F}"/>
+                <a16:creationId xmlns="" xmlns:a16="http://schemas.microsoft.com/office/drawing/2014/main" id="{EA68E610-DD25-431B-85F0-D5B68EABBE7F}"/>
               </a:ext>
             </a:extLst>
           </p:cNvPr>
@@ -7753,7 +7753,7 @@
           <p:cNvPr id="2" name="Title 1">
             <a:extLst>
               <a:ext uri="{FF2B5EF4-FFF2-40B4-BE49-F238E27FC236}">
-                <a16:creationId xmlns:a16="http://schemas.microsoft.com/office/drawing/2014/main" xmlns="" id="{80C2A2CA-06B6-4E6F-8AC0-2EA128376E10}"/>
+                <a16:creationId xmlns="" xmlns:a16="http://schemas.microsoft.com/office/drawing/2014/main" id="{80C2A2CA-06B6-4E6F-8AC0-2EA128376E10}"/>
               </a:ext>
             </a:extLst>
           </p:cNvPr>
@@ -7790,7 +7790,7 @@
           <p:cNvPr id="3" name="Content Placeholder 2">
             <a:extLst>
               <a:ext uri="{FF2B5EF4-FFF2-40B4-BE49-F238E27FC236}">
-                <a16:creationId xmlns:a16="http://schemas.microsoft.com/office/drawing/2014/main" xmlns="" id="{EA68E610-DD25-431B-85F0-D5B68EABBE7F}"/>
+                <a16:creationId xmlns="" xmlns:a16="http://schemas.microsoft.com/office/drawing/2014/main" id="{EA68E610-DD25-431B-85F0-D5B68EABBE7F}"/>
               </a:ext>
             </a:extLst>
           </p:cNvPr>
@@ -7960,7 +7960,7 @@
           <p:cNvPr id="2" name="Title 1">
             <a:extLst>
               <a:ext uri="{FF2B5EF4-FFF2-40B4-BE49-F238E27FC236}">
-                <a16:creationId xmlns:a16="http://schemas.microsoft.com/office/drawing/2014/main" xmlns="" id="{80C2A2CA-06B6-4E6F-8AC0-2EA128376E10}"/>
+                <a16:creationId xmlns="" xmlns:a16="http://schemas.microsoft.com/office/drawing/2014/main" id="{80C2A2CA-06B6-4E6F-8AC0-2EA128376E10}"/>
               </a:ext>
             </a:extLst>
           </p:cNvPr>
@@ -7997,7 +7997,7 @@
           <p:cNvPr id="3" name="Content Placeholder 2">
             <a:extLst>
               <a:ext uri="{FF2B5EF4-FFF2-40B4-BE49-F238E27FC236}">
-                <a16:creationId xmlns:a16="http://schemas.microsoft.com/office/drawing/2014/main" xmlns="" id="{EA68E610-DD25-431B-85F0-D5B68EABBE7F}"/>
+                <a16:creationId xmlns="" xmlns:a16="http://schemas.microsoft.com/office/drawing/2014/main" id="{EA68E610-DD25-431B-85F0-D5B68EABBE7F}"/>
               </a:ext>
             </a:extLst>
           </p:cNvPr>
@@ -8122,7 +8122,7 @@
           <p:cNvPr id="2" name="Title 1">
             <a:extLst>
               <a:ext uri="{FF2B5EF4-FFF2-40B4-BE49-F238E27FC236}">
-                <a16:creationId xmlns:a16="http://schemas.microsoft.com/office/drawing/2014/main" xmlns="" id="{80C2A2CA-06B6-4E6F-8AC0-2EA128376E10}"/>
+                <a16:creationId xmlns="" xmlns:a16="http://schemas.microsoft.com/office/drawing/2014/main" id="{80C2A2CA-06B6-4E6F-8AC0-2EA128376E10}"/>
               </a:ext>
             </a:extLst>
           </p:cNvPr>
@@ -8159,7 +8159,7 @@
           <p:cNvPr id="3" name="Content Placeholder 2">
             <a:extLst>
               <a:ext uri="{FF2B5EF4-FFF2-40B4-BE49-F238E27FC236}">
-                <a16:creationId xmlns:a16="http://schemas.microsoft.com/office/drawing/2014/main" xmlns="" id="{EA68E610-DD25-431B-85F0-D5B68EABBE7F}"/>
+                <a16:creationId xmlns="" xmlns:a16="http://schemas.microsoft.com/office/drawing/2014/main" id="{EA68E610-DD25-431B-85F0-D5B68EABBE7F}"/>
               </a:ext>
             </a:extLst>
           </p:cNvPr>
@@ -8290,7 +8290,7 @@
           <p:cNvPr id="2" name="Title 1">
             <a:extLst>
               <a:ext uri="{FF2B5EF4-FFF2-40B4-BE49-F238E27FC236}">
-                <a16:creationId xmlns:a16="http://schemas.microsoft.com/office/drawing/2014/main" xmlns="" id="{80C2A2CA-06B6-4E6F-8AC0-2EA128376E10}"/>
+                <a16:creationId xmlns="" xmlns:a16="http://schemas.microsoft.com/office/drawing/2014/main" id="{80C2A2CA-06B6-4E6F-8AC0-2EA128376E10}"/>
               </a:ext>
             </a:extLst>
           </p:cNvPr>
@@ -8327,7 +8327,7 @@
           <p:cNvPr id="3" name="Content Placeholder 2">
             <a:extLst>
               <a:ext uri="{FF2B5EF4-FFF2-40B4-BE49-F238E27FC236}">
-                <a16:creationId xmlns:a16="http://schemas.microsoft.com/office/drawing/2014/main" xmlns="" id="{EA68E610-DD25-431B-85F0-D5B68EABBE7F}"/>
+                <a16:creationId xmlns="" xmlns:a16="http://schemas.microsoft.com/office/drawing/2014/main" id="{EA68E610-DD25-431B-85F0-D5B68EABBE7F}"/>
               </a:ext>
             </a:extLst>
           </p:cNvPr>
@@ -8428,7 +8428,7 @@
           <p:cNvPr id="4" name="Picture 3">
             <a:extLst>
               <a:ext uri="{FF2B5EF4-FFF2-40B4-BE49-F238E27FC236}">
-                <a16:creationId xmlns:a16="http://schemas.microsoft.com/office/drawing/2014/main" xmlns="" id="{F8F7EB34-47B3-4C12-867C-779F5F0ED1B0}"/>
+                <a16:creationId xmlns="" xmlns:a16="http://schemas.microsoft.com/office/drawing/2014/main" id="{F8F7EB34-47B3-4C12-867C-779F5F0ED1B0}"/>
               </a:ext>
             </a:extLst>
           </p:cNvPr>
@@ -8495,7 +8495,7 @@
           <p:cNvPr id="2" name="Title 1">
             <a:extLst>
               <a:ext uri="{FF2B5EF4-FFF2-40B4-BE49-F238E27FC236}">
-                <a16:creationId xmlns:a16="http://schemas.microsoft.com/office/drawing/2014/main" xmlns="" id="{80C2A2CA-06B6-4E6F-8AC0-2EA128376E10}"/>
+                <a16:creationId xmlns="" xmlns:a16="http://schemas.microsoft.com/office/drawing/2014/main" id="{80C2A2CA-06B6-4E6F-8AC0-2EA128376E10}"/>
               </a:ext>
             </a:extLst>
           </p:cNvPr>
@@ -8532,7 +8532,7 @@
           <p:cNvPr id="3" name="Content Placeholder 2">
             <a:extLst>
               <a:ext uri="{FF2B5EF4-FFF2-40B4-BE49-F238E27FC236}">
-                <a16:creationId xmlns:a16="http://schemas.microsoft.com/office/drawing/2014/main" xmlns="" id="{EA68E610-DD25-431B-85F0-D5B68EABBE7F}"/>
+                <a16:creationId xmlns="" xmlns:a16="http://schemas.microsoft.com/office/drawing/2014/main" id="{EA68E610-DD25-431B-85F0-D5B68EABBE7F}"/>
               </a:ext>
             </a:extLst>
           </p:cNvPr>
@@ -8665,7 +8665,7 @@
           <p:cNvPr id="4" name="Picture 3">
             <a:extLst>
               <a:ext uri="{FF2B5EF4-FFF2-40B4-BE49-F238E27FC236}">
-                <a16:creationId xmlns:a16="http://schemas.microsoft.com/office/drawing/2014/main" xmlns="" id="{F8F7EB34-47B3-4C12-867C-779F5F0ED1B0}"/>
+                <a16:creationId xmlns="" xmlns:a16="http://schemas.microsoft.com/office/drawing/2014/main" id="{F8F7EB34-47B3-4C12-867C-779F5F0ED1B0}"/>
               </a:ext>
             </a:extLst>
           </p:cNvPr>
@@ -8732,7 +8732,7 @@
           <p:cNvPr id="2" name="Title 1">
             <a:extLst>
               <a:ext uri="{FF2B5EF4-FFF2-40B4-BE49-F238E27FC236}">
-                <a16:creationId xmlns="" xmlns:a16="http://schemas.microsoft.com/office/drawing/2014/main" id="{80C2A2CA-06B6-4E6F-8AC0-2EA128376E10}"/>
+                <a16:creationId xmlns:a16="http://schemas.microsoft.com/office/drawing/2014/main" xmlns="" id="{80C2A2CA-06B6-4E6F-8AC0-2EA128376E10}"/>
               </a:ext>
             </a:extLst>
           </p:cNvPr>
@@ -8768,7 +8768,7 @@
           <p:cNvPr id="3" name="Content Placeholder 2">
             <a:extLst>
               <a:ext uri="{FF2B5EF4-FFF2-40B4-BE49-F238E27FC236}">
-                <a16:creationId xmlns="" xmlns:a16="http://schemas.microsoft.com/office/drawing/2014/main" id="{EA68E610-DD25-431B-85F0-D5B68EABBE7F}"/>
+                <a16:creationId xmlns:a16="http://schemas.microsoft.com/office/drawing/2014/main" xmlns="" id="{EA68E610-DD25-431B-85F0-D5B68EABBE7F}"/>
               </a:ext>
             </a:extLst>
           </p:cNvPr>
@@ -8897,7 +8897,7 @@
           <p:cNvPr id="4" name="Picture 3">
             <a:extLst>
               <a:ext uri="{FF2B5EF4-FFF2-40B4-BE49-F238E27FC236}">
-                <a16:creationId xmlns="" xmlns:a16="http://schemas.microsoft.com/office/drawing/2014/main" id="{1595A7D1-60FB-4A72-A8BF-61DB099623A5}"/>
+                <a16:creationId xmlns:a16="http://schemas.microsoft.com/office/drawing/2014/main" xmlns="" id="{1595A7D1-60FB-4A72-A8BF-61DB099623A5}"/>
               </a:ext>
             </a:extLst>
           </p:cNvPr>
@@ -8926,7 +8926,7 @@
           <p:cNvPr id="5" name="Content Placeholder 2">
             <a:extLst>
               <a:ext uri="{FF2B5EF4-FFF2-40B4-BE49-F238E27FC236}">
-                <a16:creationId xmlns="" xmlns:a16="http://schemas.microsoft.com/office/drawing/2014/main" id="{FB0D15ED-CE05-45C9-A17F-DEFE6262FADC}"/>
+                <a16:creationId xmlns:a16="http://schemas.microsoft.com/office/drawing/2014/main" xmlns="" id="{FB0D15ED-CE05-45C9-A17F-DEFE6262FADC}"/>
               </a:ext>
             </a:extLst>
           </p:cNvPr>
@@ -9191,7 +9191,7 @@
           <p:cNvPr id="2" name="Title 1">
             <a:extLst>
               <a:ext uri="{FF2B5EF4-FFF2-40B4-BE49-F238E27FC236}">
-                <a16:creationId xmlns:a16="http://schemas.microsoft.com/office/drawing/2014/main" xmlns="" id="{80C2A2CA-06B6-4E6F-8AC0-2EA128376E10}"/>
+                <a16:creationId xmlns="" xmlns:a16="http://schemas.microsoft.com/office/drawing/2014/main" id="{80C2A2CA-06B6-4E6F-8AC0-2EA128376E10}"/>
               </a:ext>
             </a:extLst>
           </p:cNvPr>
@@ -9228,7 +9228,7 @@
           <p:cNvPr id="3" name="Content Placeholder 2">
             <a:extLst>
               <a:ext uri="{FF2B5EF4-FFF2-40B4-BE49-F238E27FC236}">
-                <a16:creationId xmlns:a16="http://schemas.microsoft.com/office/drawing/2014/main" xmlns="" id="{EA68E610-DD25-431B-85F0-D5B68EABBE7F}"/>
+                <a16:creationId xmlns="" xmlns:a16="http://schemas.microsoft.com/office/drawing/2014/main" id="{EA68E610-DD25-431B-85F0-D5B68EABBE7F}"/>
               </a:ext>
             </a:extLst>
           </p:cNvPr>
@@ -9347,7 +9347,7 @@
           <p:cNvPr id="5" name="Picture 4">
             <a:extLst>
               <a:ext uri="{FF2B5EF4-FFF2-40B4-BE49-F238E27FC236}">
-                <a16:creationId xmlns:a16="http://schemas.microsoft.com/office/drawing/2014/main" xmlns="" id="{845C0DED-EF96-4149-B67D-EE1F7F7E1072}"/>
+                <a16:creationId xmlns="" xmlns:a16="http://schemas.microsoft.com/office/drawing/2014/main" id="{845C0DED-EF96-4149-B67D-EE1F7F7E1072}"/>
               </a:ext>
             </a:extLst>
           </p:cNvPr>
@@ -9377,7 +9377,7 @@
           <p:cNvPr id="7" name="Picture 6">
             <a:extLst>
               <a:ext uri="{FF2B5EF4-FFF2-40B4-BE49-F238E27FC236}">
-                <a16:creationId xmlns:a16="http://schemas.microsoft.com/office/drawing/2014/main" xmlns="" id="{E3CE1708-A33E-443D-B655-16B5F063AB84}"/>
+                <a16:creationId xmlns="" xmlns:a16="http://schemas.microsoft.com/office/drawing/2014/main" id="{E3CE1708-A33E-443D-B655-16B5F063AB84}"/>
               </a:ext>
             </a:extLst>
           </p:cNvPr>
@@ -9780,7 +9780,7 @@
           <p:cNvPr id="2" name="Title 1">
             <a:extLst>
               <a:ext uri="{FF2B5EF4-FFF2-40B4-BE49-F238E27FC236}">
-                <a16:creationId xmlns:a16="http://schemas.microsoft.com/office/drawing/2014/main" xmlns="" id="{80C2A2CA-06B6-4E6F-8AC0-2EA128376E10}"/>
+                <a16:creationId xmlns="" xmlns:a16="http://schemas.microsoft.com/office/drawing/2014/main" id="{80C2A2CA-06B6-4E6F-8AC0-2EA128376E10}"/>
               </a:ext>
             </a:extLst>
           </p:cNvPr>
@@ -9817,7 +9817,7 @@
           <p:cNvPr id="3" name="Content Placeholder 2">
             <a:extLst>
               <a:ext uri="{FF2B5EF4-FFF2-40B4-BE49-F238E27FC236}">
-                <a16:creationId xmlns:a16="http://schemas.microsoft.com/office/drawing/2014/main" xmlns="" id="{EA68E610-DD25-431B-85F0-D5B68EABBE7F}"/>
+                <a16:creationId xmlns="" xmlns:a16="http://schemas.microsoft.com/office/drawing/2014/main" id="{EA68E610-DD25-431B-85F0-D5B68EABBE7F}"/>
               </a:ext>
             </a:extLst>
           </p:cNvPr>
@@ -9884,7 +9884,7 @@
           <p:cNvPr id="6" name="Picture 5">
             <a:extLst>
               <a:ext uri="{FF2B5EF4-FFF2-40B4-BE49-F238E27FC236}">
-                <a16:creationId xmlns:a16="http://schemas.microsoft.com/office/drawing/2014/main" xmlns="" id="{349996B2-B42A-4968-8FD9-10A0531695F8}"/>
+                <a16:creationId xmlns="" xmlns:a16="http://schemas.microsoft.com/office/drawing/2014/main" id="{349996B2-B42A-4968-8FD9-10A0531695F8}"/>
               </a:ext>
             </a:extLst>
           </p:cNvPr>
@@ -9951,7 +9951,7 @@
           <p:cNvPr id="2" name="Title 1">
             <a:extLst>
               <a:ext uri="{FF2B5EF4-FFF2-40B4-BE49-F238E27FC236}">
-                <a16:creationId xmlns:a16="http://schemas.microsoft.com/office/drawing/2014/main" xmlns="" id="{80C2A2CA-06B6-4E6F-8AC0-2EA128376E10}"/>
+                <a16:creationId xmlns="" xmlns:a16="http://schemas.microsoft.com/office/drawing/2014/main" id="{80C2A2CA-06B6-4E6F-8AC0-2EA128376E10}"/>
               </a:ext>
             </a:extLst>
           </p:cNvPr>
@@ -9988,7 +9988,7 @@
           <p:cNvPr id="3" name="Content Placeholder 2">
             <a:extLst>
               <a:ext uri="{FF2B5EF4-FFF2-40B4-BE49-F238E27FC236}">
-                <a16:creationId xmlns:a16="http://schemas.microsoft.com/office/drawing/2014/main" xmlns="" id="{EA68E610-DD25-431B-85F0-D5B68EABBE7F}"/>
+                <a16:creationId xmlns="" xmlns:a16="http://schemas.microsoft.com/office/drawing/2014/main" id="{EA68E610-DD25-431B-85F0-D5B68EABBE7F}"/>
               </a:ext>
             </a:extLst>
           </p:cNvPr>
@@ -10066,7 +10066,7 @@
           <p:cNvPr id="7" name="Content Placeholder 2">
             <a:extLst>
               <a:ext uri="{FF2B5EF4-FFF2-40B4-BE49-F238E27FC236}">
-                <a16:creationId xmlns:a16="http://schemas.microsoft.com/office/drawing/2014/main" xmlns="" id="{F11C76D9-E48A-44D7-85D0-5684E9ECD260}"/>
+                <a16:creationId xmlns="" xmlns:a16="http://schemas.microsoft.com/office/drawing/2014/main" id="{F11C76D9-E48A-44D7-85D0-5684E9ECD260}"/>
               </a:ext>
             </a:extLst>
           </p:cNvPr>
@@ -10270,7 +10270,7 @@
           <p:cNvPr id="5" name="Picture 4">
             <a:extLst>
               <a:ext uri="{FF2B5EF4-FFF2-40B4-BE49-F238E27FC236}">
-                <a16:creationId xmlns:a16="http://schemas.microsoft.com/office/drawing/2014/main" xmlns="" id="{C3230D3E-0126-4EAB-A241-7239E8ECB846}"/>
+                <a16:creationId xmlns="" xmlns:a16="http://schemas.microsoft.com/office/drawing/2014/main" id="{C3230D3E-0126-4EAB-A241-7239E8ECB846}"/>
               </a:ext>
             </a:extLst>
           </p:cNvPr>
@@ -10300,7 +10300,7 @@
           <p:cNvPr id="9" name="Picture 8">
             <a:extLst>
               <a:ext uri="{FF2B5EF4-FFF2-40B4-BE49-F238E27FC236}">
-                <a16:creationId xmlns:a16="http://schemas.microsoft.com/office/drawing/2014/main" xmlns="" id="{81489FE0-51B9-40CA-870E-7CA17A1282F8}"/>
+                <a16:creationId xmlns="" xmlns:a16="http://schemas.microsoft.com/office/drawing/2014/main" id="{81489FE0-51B9-40CA-870E-7CA17A1282F8}"/>
               </a:ext>
             </a:extLst>
           </p:cNvPr>
@@ -10330,7 +10330,7 @@
           <p:cNvPr id="10" name="Picture 9">
             <a:extLst>
               <a:ext uri="{FF2B5EF4-FFF2-40B4-BE49-F238E27FC236}">
-                <a16:creationId xmlns:a16="http://schemas.microsoft.com/office/drawing/2014/main" xmlns="" id="{E753885B-E4B7-474C-B26D-BCE148E715E1}"/>
+                <a16:creationId xmlns="" xmlns:a16="http://schemas.microsoft.com/office/drawing/2014/main" id="{E753885B-E4B7-474C-B26D-BCE148E715E1}"/>
               </a:ext>
             </a:extLst>
           </p:cNvPr>
@@ -10524,7 +10524,7 @@
           <p:cNvPr id="2" name="Title 1">
             <a:extLst>
               <a:ext uri="{FF2B5EF4-FFF2-40B4-BE49-F238E27FC236}">
-                <a16:creationId xmlns:a16="http://schemas.microsoft.com/office/drawing/2014/main" xmlns="" id="{80C2A2CA-06B6-4E6F-8AC0-2EA128376E10}"/>
+                <a16:creationId xmlns="" xmlns:a16="http://schemas.microsoft.com/office/drawing/2014/main" id="{80C2A2CA-06B6-4E6F-8AC0-2EA128376E10}"/>
               </a:ext>
             </a:extLst>
           </p:cNvPr>
@@ -10561,7 +10561,7 @@
           <p:cNvPr id="3" name="Content Placeholder 2">
             <a:extLst>
               <a:ext uri="{FF2B5EF4-FFF2-40B4-BE49-F238E27FC236}">
-                <a16:creationId xmlns:a16="http://schemas.microsoft.com/office/drawing/2014/main" xmlns="" id="{EA68E610-DD25-431B-85F0-D5B68EABBE7F}"/>
+                <a16:creationId xmlns="" xmlns:a16="http://schemas.microsoft.com/office/drawing/2014/main" id="{EA68E610-DD25-431B-85F0-D5B68EABBE7F}"/>
               </a:ext>
             </a:extLst>
           </p:cNvPr>
@@ -10612,7 +10612,7 @@
           <p:cNvPr id="7" name="Content Placeholder 2">
             <a:extLst>
               <a:ext uri="{FF2B5EF4-FFF2-40B4-BE49-F238E27FC236}">
-                <a16:creationId xmlns:a16="http://schemas.microsoft.com/office/drawing/2014/main" xmlns="" id="{F11C76D9-E48A-44D7-85D0-5684E9ECD260}"/>
+                <a16:creationId xmlns="" xmlns:a16="http://schemas.microsoft.com/office/drawing/2014/main" id="{F11C76D9-E48A-44D7-85D0-5684E9ECD260}"/>
               </a:ext>
             </a:extLst>
           </p:cNvPr>
@@ -10813,7 +10813,7 @@
           <p:cNvPr id="5" name="Picture 4">
             <a:extLst>
               <a:ext uri="{FF2B5EF4-FFF2-40B4-BE49-F238E27FC236}">
-                <a16:creationId xmlns:a16="http://schemas.microsoft.com/office/drawing/2014/main" xmlns="" id="{C3230D3E-0126-4EAB-A241-7239E8ECB846}"/>
+                <a16:creationId xmlns="" xmlns:a16="http://schemas.microsoft.com/office/drawing/2014/main" id="{C3230D3E-0126-4EAB-A241-7239E8ECB846}"/>
               </a:ext>
             </a:extLst>
           </p:cNvPr>
@@ -10843,7 +10843,7 @@
           <p:cNvPr id="9" name="Picture 8">
             <a:extLst>
               <a:ext uri="{FF2B5EF4-FFF2-40B4-BE49-F238E27FC236}">
-                <a16:creationId xmlns:a16="http://schemas.microsoft.com/office/drawing/2014/main" xmlns="" id="{81489FE0-51B9-40CA-870E-7CA17A1282F8}"/>
+                <a16:creationId xmlns="" xmlns:a16="http://schemas.microsoft.com/office/drawing/2014/main" id="{81489FE0-51B9-40CA-870E-7CA17A1282F8}"/>
               </a:ext>
             </a:extLst>
           </p:cNvPr>
@@ -10873,7 +10873,7 @@
           <p:cNvPr id="11" name="Picture 10">
             <a:extLst>
               <a:ext uri="{FF2B5EF4-FFF2-40B4-BE49-F238E27FC236}">
-                <a16:creationId xmlns:a16="http://schemas.microsoft.com/office/drawing/2014/main" xmlns="" id="{E0737C28-F6EC-458E-8453-28BF56B9B065}"/>
+                <a16:creationId xmlns="" xmlns:a16="http://schemas.microsoft.com/office/drawing/2014/main" id="{E0737C28-F6EC-458E-8453-28BF56B9B065}"/>
               </a:ext>
             </a:extLst>
           </p:cNvPr>
@@ -10940,7 +10940,7 @@
           <p:cNvPr id="2" name="Title 1">
             <a:extLst>
               <a:ext uri="{FF2B5EF4-FFF2-40B4-BE49-F238E27FC236}">
-                <a16:creationId xmlns:a16="http://schemas.microsoft.com/office/drawing/2014/main" xmlns="" id="{80C2A2CA-06B6-4E6F-8AC0-2EA128376E10}"/>
+                <a16:creationId xmlns="" xmlns:a16="http://schemas.microsoft.com/office/drawing/2014/main" id="{80C2A2CA-06B6-4E6F-8AC0-2EA128376E10}"/>
               </a:ext>
             </a:extLst>
           </p:cNvPr>
@@ -10977,7 +10977,7 @@
           <p:cNvPr id="3" name="Content Placeholder 2">
             <a:extLst>
               <a:ext uri="{FF2B5EF4-FFF2-40B4-BE49-F238E27FC236}">
-                <a16:creationId xmlns:a16="http://schemas.microsoft.com/office/drawing/2014/main" xmlns="" id="{EA68E610-DD25-431B-85F0-D5B68EABBE7F}"/>
+                <a16:creationId xmlns="" xmlns:a16="http://schemas.microsoft.com/office/drawing/2014/main" id="{EA68E610-DD25-431B-85F0-D5B68EABBE7F}"/>
               </a:ext>
             </a:extLst>
           </p:cNvPr>
@@ -11028,7 +11028,7 @@
           <p:cNvPr id="7" name="Content Placeholder 2">
             <a:extLst>
               <a:ext uri="{FF2B5EF4-FFF2-40B4-BE49-F238E27FC236}">
-                <a16:creationId xmlns:a16="http://schemas.microsoft.com/office/drawing/2014/main" xmlns="" id="{F11C76D9-E48A-44D7-85D0-5684E9ECD260}"/>
+                <a16:creationId xmlns="" xmlns:a16="http://schemas.microsoft.com/office/drawing/2014/main" id="{F11C76D9-E48A-44D7-85D0-5684E9ECD260}"/>
               </a:ext>
             </a:extLst>
           </p:cNvPr>
@@ -11229,7 +11229,7 @@
           <p:cNvPr id="5" name="Picture 4">
             <a:extLst>
               <a:ext uri="{FF2B5EF4-FFF2-40B4-BE49-F238E27FC236}">
-                <a16:creationId xmlns:a16="http://schemas.microsoft.com/office/drawing/2014/main" xmlns="" id="{C3230D3E-0126-4EAB-A241-7239E8ECB846}"/>
+                <a16:creationId xmlns="" xmlns:a16="http://schemas.microsoft.com/office/drawing/2014/main" id="{C3230D3E-0126-4EAB-A241-7239E8ECB846}"/>
               </a:ext>
             </a:extLst>
           </p:cNvPr>
@@ -11259,7 +11259,7 @@
           <p:cNvPr id="11" name="Picture 10">
             <a:extLst>
               <a:ext uri="{FF2B5EF4-FFF2-40B4-BE49-F238E27FC236}">
-                <a16:creationId xmlns:a16="http://schemas.microsoft.com/office/drawing/2014/main" xmlns="" id="{E0737C28-F6EC-458E-8453-28BF56B9B065}"/>
+                <a16:creationId xmlns="" xmlns:a16="http://schemas.microsoft.com/office/drawing/2014/main" id="{E0737C28-F6EC-458E-8453-28BF56B9B065}"/>
               </a:ext>
             </a:extLst>
           </p:cNvPr>
@@ -11289,7 +11289,7 @@
           <p:cNvPr id="8" name="Content Placeholder 2">
             <a:extLst>
               <a:ext uri="{FF2B5EF4-FFF2-40B4-BE49-F238E27FC236}">
-                <a16:creationId xmlns:a16="http://schemas.microsoft.com/office/drawing/2014/main" xmlns="" id="{CF5ADA0B-1488-4168-89A6-4379BFDFCA1C}"/>
+                <a16:creationId xmlns="" xmlns:a16="http://schemas.microsoft.com/office/drawing/2014/main" id="{CF5ADA0B-1488-4168-89A6-4379BFDFCA1C}"/>
               </a:ext>
             </a:extLst>
           </p:cNvPr>
@@ -11493,7 +11493,7 @@
           <p:cNvPr id="4" name="Picture 3">
             <a:extLst>
               <a:ext uri="{FF2B5EF4-FFF2-40B4-BE49-F238E27FC236}">
-                <a16:creationId xmlns:a16="http://schemas.microsoft.com/office/drawing/2014/main" xmlns="" id="{40F6989C-E324-4915-BC0A-6C7E522E31C1}"/>
+                <a16:creationId xmlns="" xmlns:a16="http://schemas.microsoft.com/office/drawing/2014/main" id="{40F6989C-E324-4915-BC0A-6C7E522E31C1}"/>
               </a:ext>
             </a:extLst>
           </p:cNvPr>
@@ -11523,7 +11523,7 @@
           <p:cNvPr id="6" name="Picture 5">
             <a:extLst>
               <a:ext uri="{FF2B5EF4-FFF2-40B4-BE49-F238E27FC236}">
-                <a16:creationId xmlns:a16="http://schemas.microsoft.com/office/drawing/2014/main" xmlns="" id="{6A16B911-F059-48F3-9166-298D67739904}"/>
+                <a16:creationId xmlns="" xmlns:a16="http://schemas.microsoft.com/office/drawing/2014/main" id="{6A16B911-F059-48F3-9166-298D67739904}"/>
               </a:ext>
             </a:extLst>
           </p:cNvPr>
@@ -11553,7 +11553,7 @@
           <p:cNvPr id="10" name="Picture 9">
             <a:extLst>
               <a:ext uri="{FF2B5EF4-FFF2-40B4-BE49-F238E27FC236}">
-                <a16:creationId xmlns:a16="http://schemas.microsoft.com/office/drawing/2014/main" xmlns="" id="{8ADE5851-BBB0-49B2-B812-DDD4F5107E76}"/>
+                <a16:creationId xmlns="" xmlns:a16="http://schemas.microsoft.com/office/drawing/2014/main" id="{8ADE5851-BBB0-49B2-B812-DDD4F5107E76}"/>
               </a:ext>
             </a:extLst>
           </p:cNvPr>
@@ -11583,7 +11583,7 @@
           <p:cNvPr id="12" name="Picture 11">
             <a:extLst>
               <a:ext uri="{FF2B5EF4-FFF2-40B4-BE49-F238E27FC236}">
-                <a16:creationId xmlns:a16="http://schemas.microsoft.com/office/drawing/2014/main" xmlns="" id="{B1E1B4A7-3F0B-4EE6-8B27-A65FC638EC0D}"/>
+                <a16:creationId xmlns="" xmlns:a16="http://schemas.microsoft.com/office/drawing/2014/main" id="{B1E1B4A7-3F0B-4EE6-8B27-A65FC638EC0D}"/>
               </a:ext>
             </a:extLst>
           </p:cNvPr>
@@ -11771,7 +11771,7 @@
           <p:cNvPr id="2" name="Title 1">
             <a:extLst>
               <a:ext uri="{FF2B5EF4-FFF2-40B4-BE49-F238E27FC236}">
-                <a16:creationId xmlns:a16="http://schemas.microsoft.com/office/drawing/2014/main" xmlns="" id="{80C2A2CA-06B6-4E6F-8AC0-2EA128376E10}"/>
+                <a16:creationId xmlns="" xmlns:a16="http://schemas.microsoft.com/office/drawing/2014/main" id="{80C2A2CA-06B6-4E6F-8AC0-2EA128376E10}"/>
               </a:ext>
             </a:extLst>
           </p:cNvPr>
@@ -11808,7 +11808,7 @@
           <p:cNvPr id="3" name="Content Placeholder 2">
             <a:extLst>
               <a:ext uri="{FF2B5EF4-FFF2-40B4-BE49-F238E27FC236}">
-                <a16:creationId xmlns:a16="http://schemas.microsoft.com/office/drawing/2014/main" xmlns="" id="{EA68E610-DD25-431B-85F0-D5B68EABBE7F}"/>
+                <a16:creationId xmlns="" xmlns:a16="http://schemas.microsoft.com/office/drawing/2014/main" id="{EA68E610-DD25-431B-85F0-D5B68EABBE7F}"/>
               </a:ext>
             </a:extLst>
           </p:cNvPr>
@@ -11864,7 +11864,7 @@
           <p:cNvPr id="7" name="Content Placeholder 2">
             <a:extLst>
               <a:ext uri="{FF2B5EF4-FFF2-40B4-BE49-F238E27FC236}">
-                <a16:creationId xmlns:a16="http://schemas.microsoft.com/office/drawing/2014/main" xmlns="" id="{F11C76D9-E48A-44D7-85D0-5684E9ECD260}"/>
+                <a16:creationId xmlns="" xmlns:a16="http://schemas.microsoft.com/office/drawing/2014/main" id="{F11C76D9-E48A-44D7-85D0-5684E9ECD260}"/>
               </a:ext>
             </a:extLst>
           </p:cNvPr>
@@ -12065,7 +12065,7 @@
           <p:cNvPr id="5" name="Picture 4">
             <a:extLst>
               <a:ext uri="{FF2B5EF4-FFF2-40B4-BE49-F238E27FC236}">
-                <a16:creationId xmlns:a16="http://schemas.microsoft.com/office/drawing/2014/main" xmlns="" id="{C3230D3E-0126-4EAB-A241-7239E8ECB846}"/>
+                <a16:creationId xmlns="" xmlns:a16="http://schemas.microsoft.com/office/drawing/2014/main" id="{C3230D3E-0126-4EAB-A241-7239E8ECB846}"/>
               </a:ext>
             </a:extLst>
           </p:cNvPr>
@@ -12095,7 +12095,7 @@
           <p:cNvPr id="11" name="Picture 10">
             <a:extLst>
               <a:ext uri="{FF2B5EF4-FFF2-40B4-BE49-F238E27FC236}">
-                <a16:creationId xmlns:a16="http://schemas.microsoft.com/office/drawing/2014/main" xmlns="" id="{E0737C28-F6EC-458E-8453-28BF56B9B065}"/>
+                <a16:creationId xmlns="" xmlns:a16="http://schemas.microsoft.com/office/drawing/2014/main" id="{E0737C28-F6EC-458E-8453-28BF56B9B065}"/>
               </a:ext>
             </a:extLst>
           </p:cNvPr>
@@ -12125,7 +12125,7 @@
           <p:cNvPr id="8" name="Content Placeholder 2">
             <a:extLst>
               <a:ext uri="{FF2B5EF4-FFF2-40B4-BE49-F238E27FC236}">
-                <a16:creationId xmlns:a16="http://schemas.microsoft.com/office/drawing/2014/main" xmlns="" id="{CF5ADA0B-1488-4168-89A6-4379BFDFCA1C}"/>
+                <a16:creationId xmlns="" xmlns:a16="http://schemas.microsoft.com/office/drawing/2014/main" id="{CF5ADA0B-1488-4168-89A6-4379BFDFCA1C}"/>
               </a:ext>
             </a:extLst>
           </p:cNvPr>
@@ -12319,7 +12319,15 @@
             </a:pPr>
             <a:r>
               <a:rPr lang="en-US" dirty="0"/>
-              <a:t>Because age has the highest information gain among the attributes, it is selected as the splitting attribute.</a:t>
+              <a:t>Because </a:t>
+            </a:r>
+            <a:r>
+              <a:rPr lang="en-US" b="1" dirty="0"/>
+              <a:t>age has the highest information gain among the attributes, it is selected as the splitting attribute</a:t>
+            </a:r>
+            <a:r>
+              <a:rPr lang="en-US" dirty="0"/>
+              <a:t>.</a:t>
             </a:r>
           </a:p>
         </p:txBody>
@@ -12329,7 +12337,7 @@
           <p:cNvPr id="4" name="Picture 3">
             <a:extLst>
               <a:ext uri="{FF2B5EF4-FFF2-40B4-BE49-F238E27FC236}">
-                <a16:creationId xmlns:a16="http://schemas.microsoft.com/office/drawing/2014/main" xmlns="" id="{40F6989C-E324-4915-BC0A-6C7E522E31C1}"/>
+                <a16:creationId xmlns="" xmlns:a16="http://schemas.microsoft.com/office/drawing/2014/main" id="{40F6989C-E324-4915-BC0A-6C7E522E31C1}"/>
               </a:ext>
             </a:extLst>
           </p:cNvPr>
@@ -12359,7 +12367,7 @@
           <p:cNvPr id="6" name="Picture 5">
             <a:extLst>
               <a:ext uri="{FF2B5EF4-FFF2-40B4-BE49-F238E27FC236}">
-                <a16:creationId xmlns:a16="http://schemas.microsoft.com/office/drawing/2014/main" xmlns="" id="{6A16B911-F059-48F3-9166-298D67739904}"/>
+                <a16:creationId xmlns="" xmlns:a16="http://schemas.microsoft.com/office/drawing/2014/main" id="{6A16B911-F059-48F3-9166-298D67739904}"/>
               </a:ext>
             </a:extLst>
           </p:cNvPr>
@@ -12389,7 +12397,7 @@
           <p:cNvPr id="10" name="Picture 9">
             <a:extLst>
               <a:ext uri="{FF2B5EF4-FFF2-40B4-BE49-F238E27FC236}">
-                <a16:creationId xmlns:a16="http://schemas.microsoft.com/office/drawing/2014/main" xmlns="" id="{8ADE5851-BBB0-49B2-B812-DDD4F5107E76}"/>
+                <a16:creationId xmlns="" xmlns:a16="http://schemas.microsoft.com/office/drawing/2014/main" id="{8ADE5851-BBB0-49B2-B812-DDD4F5107E76}"/>
               </a:ext>
             </a:extLst>
           </p:cNvPr>
@@ -12419,7 +12427,7 @@
           <p:cNvPr id="12" name="Picture 11">
             <a:extLst>
               <a:ext uri="{FF2B5EF4-FFF2-40B4-BE49-F238E27FC236}">
-                <a16:creationId xmlns:a16="http://schemas.microsoft.com/office/drawing/2014/main" xmlns="" id="{B1E1B4A7-3F0B-4EE6-8B27-A65FC638EC0D}"/>
+                <a16:creationId xmlns="" xmlns:a16="http://schemas.microsoft.com/office/drawing/2014/main" id="{B1E1B4A7-3F0B-4EE6-8B27-A65FC638EC0D}"/>
               </a:ext>
             </a:extLst>
           </p:cNvPr>
@@ -12449,7 +12457,7 @@
           <p:cNvPr id="9" name="Picture 8">
             <a:extLst>
               <a:ext uri="{FF2B5EF4-FFF2-40B4-BE49-F238E27FC236}">
-                <a16:creationId xmlns:a16="http://schemas.microsoft.com/office/drawing/2014/main" xmlns="" id="{7A340CB2-04CD-43AE-A57F-E022C1EA1F9D}"/>
+                <a16:creationId xmlns="" xmlns:a16="http://schemas.microsoft.com/office/drawing/2014/main" id="{7A340CB2-04CD-43AE-A57F-E022C1EA1F9D}"/>
               </a:ext>
             </a:extLst>
           </p:cNvPr>
@@ -12516,7 +12524,7 @@
           <p:cNvPr id="7" name="Content Placeholder 2">
             <a:extLst>
               <a:ext uri="{FF2B5EF4-FFF2-40B4-BE49-F238E27FC236}">
-                <a16:creationId xmlns:a16="http://schemas.microsoft.com/office/drawing/2014/main" xmlns="" id="{F11C76D9-E48A-44D7-85D0-5684E9ECD260}"/>
+                <a16:creationId xmlns="" xmlns:a16="http://schemas.microsoft.com/office/drawing/2014/main" id="{F11C76D9-E48A-44D7-85D0-5684E9ECD260}"/>
               </a:ext>
             </a:extLst>
           </p:cNvPr>
@@ -12717,7 +12725,7 @@
           <p:cNvPr id="15" name="Picture 14">
             <a:extLst>
               <a:ext uri="{FF2B5EF4-FFF2-40B4-BE49-F238E27FC236}">
-                <a16:creationId xmlns:a16="http://schemas.microsoft.com/office/drawing/2014/main" xmlns="" id="{64ABA7E4-AD34-48A8-BC34-7A0585478B2E}"/>
+                <a16:creationId xmlns="" xmlns:a16="http://schemas.microsoft.com/office/drawing/2014/main" id="{64ABA7E4-AD34-48A8-BC34-7A0585478B2E}"/>
               </a:ext>
             </a:extLst>
           </p:cNvPr>
@@ -12767,7 +12775,11 @@
             <a:graphicFrameLocks noGrp="1"/>
           </p:cNvGraphicFramePr>
           <p:nvPr>
-            <p:extLst/>
+            <p:extLst>
+              <p:ext uri="{D42A27DB-BD31-4B8C-83A1-F6EECF244321}">
+                <p14:modId xmlns:p14="http://schemas.microsoft.com/office/powerpoint/2010/main" val="3238778019"/>
+              </p:ext>
+            </p:extLst>
           </p:nvPr>
         </p:nvGraphicFramePr>
         <p:xfrm>
@@ -12821,8 +12833,8 @@
                     <a:lstStyle/>
                     <a:p>
                       <a:r>
-                        <a:rPr lang="en-US" dirty="0" err="1" smtClean="0"/>
-                        <a:t>Credit_rating</a:t>
+                        <a:rPr lang="en-US" dirty="0" smtClean="0"/>
+                        <a:t>Credit rating</a:t>
                       </a:r>
                       <a:endParaRPr lang="en-IN" dirty="0"/>
                     </a:p>
@@ -13029,7 +13041,11 @@
             <a:graphicFrameLocks noGrp="1"/>
           </p:cNvGraphicFramePr>
           <p:nvPr>
-            <p:extLst/>
+            <p:extLst>
+              <p:ext uri="{D42A27DB-BD31-4B8C-83A1-F6EECF244321}">
+                <p14:modId xmlns:p14="http://schemas.microsoft.com/office/powerpoint/2010/main" val="2430788399"/>
+              </p:ext>
+            </p:extLst>
           </p:nvPr>
         </p:nvGraphicFramePr>
         <p:xfrm>
@@ -13083,8 +13099,8 @@
                     <a:lstStyle/>
                     <a:p>
                       <a:r>
-                        <a:rPr lang="en-US" dirty="0" err="1" smtClean="0"/>
-                        <a:t>Credit_rating</a:t>
+                        <a:rPr lang="en-US" dirty="0" smtClean="0"/>
+                        <a:t>Credit rating</a:t>
                       </a:r>
                       <a:endParaRPr lang="en-IN" dirty="0"/>
                     </a:p>
@@ -13338,7 +13354,7 @@
           <p:cNvPr id="7" name="Content Placeholder 2">
             <a:extLst>
               <a:ext uri="{FF2B5EF4-FFF2-40B4-BE49-F238E27FC236}">
-                <a16:creationId xmlns:a16="http://schemas.microsoft.com/office/drawing/2014/main" xmlns="" id="{F11C76D9-E48A-44D7-85D0-5684E9ECD260}"/>
+                <a16:creationId xmlns="" xmlns:a16="http://schemas.microsoft.com/office/drawing/2014/main" id="{F11C76D9-E48A-44D7-85D0-5684E9ECD260}"/>
               </a:ext>
             </a:extLst>
           </p:cNvPr>
@@ -13539,7 +13555,7 @@
           <p:cNvPr id="15" name="Picture 14">
             <a:extLst>
               <a:ext uri="{FF2B5EF4-FFF2-40B4-BE49-F238E27FC236}">
-                <a16:creationId xmlns:a16="http://schemas.microsoft.com/office/drawing/2014/main" xmlns="" id="{64ABA7E4-AD34-48A8-BC34-7A0585478B2E}"/>
+                <a16:creationId xmlns="" xmlns:a16="http://schemas.microsoft.com/office/drawing/2014/main" id="{64ABA7E4-AD34-48A8-BC34-7A0585478B2E}"/>
               </a:ext>
             </a:extLst>
           </p:cNvPr>
@@ -14698,7 +14714,7 @@
           <p:cNvPr id="2" name="Title 1">
             <a:extLst>
               <a:ext uri="{FF2B5EF4-FFF2-40B4-BE49-F238E27FC236}">
-                <a16:creationId xmlns:a16="http://schemas.microsoft.com/office/drawing/2014/main" xmlns="" id="{80C2A2CA-06B6-4E6F-8AC0-2EA128376E10}"/>
+                <a16:creationId xmlns="" xmlns:a16="http://schemas.microsoft.com/office/drawing/2014/main" id="{80C2A2CA-06B6-4E6F-8AC0-2EA128376E10}"/>
               </a:ext>
             </a:extLst>
           </p:cNvPr>
@@ -14735,7 +14751,7 @@
           <p:cNvPr id="7" name="Content Placeholder 2">
             <a:extLst>
               <a:ext uri="{FF2B5EF4-FFF2-40B4-BE49-F238E27FC236}">
-                <a16:creationId xmlns:a16="http://schemas.microsoft.com/office/drawing/2014/main" xmlns="" id="{F11C76D9-E48A-44D7-85D0-5684E9ECD260}"/>
+                <a16:creationId xmlns="" xmlns:a16="http://schemas.microsoft.com/office/drawing/2014/main" id="{F11C76D9-E48A-44D7-85D0-5684E9ECD260}"/>
               </a:ext>
             </a:extLst>
           </p:cNvPr>
@@ -14936,7 +14952,7 @@
           <p:cNvPr id="5" name="Picture 4">
             <a:extLst>
               <a:ext uri="{FF2B5EF4-FFF2-40B4-BE49-F238E27FC236}">
-                <a16:creationId xmlns:a16="http://schemas.microsoft.com/office/drawing/2014/main" xmlns="" id="{C3230D3E-0126-4EAB-A241-7239E8ECB846}"/>
+                <a16:creationId xmlns="" xmlns:a16="http://schemas.microsoft.com/office/drawing/2014/main" id="{C3230D3E-0126-4EAB-A241-7239E8ECB846}"/>
               </a:ext>
             </a:extLst>
           </p:cNvPr>
@@ -14966,7 +14982,7 @@
           <p:cNvPr id="15" name="Picture 14">
             <a:extLst>
               <a:ext uri="{FF2B5EF4-FFF2-40B4-BE49-F238E27FC236}">
-                <a16:creationId xmlns:a16="http://schemas.microsoft.com/office/drawing/2014/main" xmlns="" id="{64ABA7E4-AD34-48A8-BC34-7A0585478B2E}"/>
+                <a16:creationId xmlns="" xmlns:a16="http://schemas.microsoft.com/office/drawing/2014/main" id="{64ABA7E4-AD34-48A8-BC34-7A0585478B2E}"/>
               </a:ext>
             </a:extLst>
           </p:cNvPr>
@@ -14995,7 +15011,7 @@
           <p:cNvPr id="16" name="Content Placeholder 2">
             <a:extLst>
               <a:ext uri="{FF2B5EF4-FFF2-40B4-BE49-F238E27FC236}">
-                <a16:creationId xmlns:a16="http://schemas.microsoft.com/office/drawing/2014/main" xmlns="" id="{FA1C1070-4817-41CC-8895-CE2072409C69}"/>
+                <a16:creationId xmlns="" xmlns:a16="http://schemas.microsoft.com/office/drawing/2014/main" id="{FA1C1070-4817-41CC-8895-CE2072409C69}"/>
               </a:ext>
             </a:extLst>
           </p:cNvPr>
@@ -15247,7 +15263,7 @@
           <p:cNvPr id="2" name="Title 1">
             <a:extLst>
               <a:ext uri="{FF2B5EF4-FFF2-40B4-BE49-F238E27FC236}">
-                <a16:creationId xmlns:a16="http://schemas.microsoft.com/office/drawing/2014/main" xmlns="" id="{80C2A2CA-06B6-4E6F-8AC0-2EA128376E10}"/>
+                <a16:creationId xmlns="" xmlns:a16="http://schemas.microsoft.com/office/drawing/2014/main" id="{80C2A2CA-06B6-4E6F-8AC0-2EA128376E10}"/>
               </a:ext>
             </a:extLst>
           </p:cNvPr>
@@ -15284,7 +15300,7 @@
           <p:cNvPr id="7" name="Content Placeholder 2">
             <a:extLst>
               <a:ext uri="{FF2B5EF4-FFF2-40B4-BE49-F238E27FC236}">
-                <a16:creationId xmlns:a16="http://schemas.microsoft.com/office/drawing/2014/main" xmlns="" id="{F11C76D9-E48A-44D7-85D0-5684E9ECD260}"/>
+                <a16:creationId xmlns="" xmlns:a16="http://schemas.microsoft.com/office/drawing/2014/main" id="{F11C76D9-E48A-44D7-85D0-5684E9ECD260}"/>
               </a:ext>
             </a:extLst>
           </p:cNvPr>
@@ -15485,7 +15501,7 @@
           <p:cNvPr id="5" name="Picture 4">
             <a:extLst>
               <a:ext uri="{FF2B5EF4-FFF2-40B4-BE49-F238E27FC236}">
-                <a16:creationId xmlns:a16="http://schemas.microsoft.com/office/drawing/2014/main" xmlns="" id="{C3230D3E-0126-4EAB-A241-7239E8ECB846}"/>
+                <a16:creationId xmlns="" xmlns:a16="http://schemas.microsoft.com/office/drawing/2014/main" id="{C3230D3E-0126-4EAB-A241-7239E8ECB846}"/>
               </a:ext>
             </a:extLst>
           </p:cNvPr>
@@ -15515,7 +15531,7 @@
           <p:cNvPr id="15" name="Picture 14">
             <a:extLst>
               <a:ext uri="{FF2B5EF4-FFF2-40B4-BE49-F238E27FC236}">
-                <a16:creationId xmlns:a16="http://schemas.microsoft.com/office/drawing/2014/main" xmlns="" id="{64ABA7E4-AD34-48A8-BC34-7A0585478B2E}"/>
+                <a16:creationId xmlns="" xmlns:a16="http://schemas.microsoft.com/office/drawing/2014/main" id="{64ABA7E4-AD34-48A8-BC34-7A0585478B2E}"/>
               </a:ext>
             </a:extLst>
           </p:cNvPr>
@@ -15544,7 +15560,7 @@
           <p:cNvPr id="3" name="Picture 2">
             <a:extLst>
               <a:ext uri="{FF2B5EF4-FFF2-40B4-BE49-F238E27FC236}">
-                <a16:creationId xmlns:a16="http://schemas.microsoft.com/office/drawing/2014/main" xmlns="" id="{7305945B-4E48-409B-9137-73A3883B679E}"/>
+                <a16:creationId xmlns="" xmlns:a16="http://schemas.microsoft.com/office/drawing/2014/main" id="{7305945B-4E48-409B-9137-73A3883B679E}"/>
               </a:ext>
             </a:extLst>
           </p:cNvPr>
@@ -15610,7 +15626,7 @@
           <p:cNvPr id="2" name="Title 1">
             <a:extLst>
               <a:ext uri="{FF2B5EF4-FFF2-40B4-BE49-F238E27FC236}">
-                <a16:creationId xmlns="" xmlns:a16="http://schemas.microsoft.com/office/drawing/2014/main" id="{80C2A2CA-06B6-4E6F-8AC0-2EA128376E10}"/>
+                <a16:creationId xmlns:a16="http://schemas.microsoft.com/office/drawing/2014/main" xmlns="" id="{80C2A2CA-06B6-4E6F-8AC0-2EA128376E10}"/>
               </a:ext>
             </a:extLst>
           </p:cNvPr>
@@ -15646,7 +15662,7 @@
           <p:cNvPr id="3" name="Content Placeholder 2">
             <a:extLst>
               <a:ext uri="{FF2B5EF4-FFF2-40B4-BE49-F238E27FC236}">
-                <a16:creationId xmlns="" xmlns:a16="http://schemas.microsoft.com/office/drawing/2014/main" id="{EA68E610-DD25-431B-85F0-D5B68EABBE7F}"/>
+                <a16:creationId xmlns:a16="http://schemas.microsoft.com/office/drawing/2014/main" xmlns="" id="{EA68E610-DD25-431B-85F0-D5B68EABBE7F}"/>
               </a:ext>
             </a:extLst>
           </p:cNvPr>
@@ -15739,7 +15755,7 @@
           <p:cNvPr id="4" name="Picture 3">
             <a:extLst>
               <a:ext uri="{FF2B5EF4-FFF2-40B4-BE49-F238E27FC236}">
-                <a16:creationId xmlns="" xmlns:a16="http://schemas.microsoft.com/office/drawing/2014/main" id="{1595A7D1-60FB-4A72-A8BF-61DB099623A5}"/>
+                <a16:creationId xmlns:a16="http://schemas.microsoft.com/office/drawing/2014/main" xmlns="" id="{1595A7D1-60FB-4A72-A8BF-61DB099623A5}"/>
               </a:ext>
             </a:extLst>
           </p:cNvPr>
@@ -15768,7 +15784,7 @@
           <p:cNvPr id="5" name="Content Placeholder 2">
             <a:extLst>
               <a:ext uri="{FF2B5EF4-FFF2-40B4-BE49-F238E27FC236}">
-                <a16:creationId xmlns="" xmlns:a16="http://schemas.microsoft.com/office/drawing/2014/main" id="{FB0D15ED-CE05-45C9-A17F-DEFE6262FADC}"/>
+                <a16:creationId xmlns:a16="http://schemas.microsoft.com/office/drawing/2014/main" xmlns="" id="{FB0D15ED-CE05-45C9-A17F-DEFE6262FADC}"/>
               </a:ext>
             </a:extLst>
           </p:cNvPr>
@@ -16040,7 +16056,7 @@
           <p:cNvPr id="2" name="Title 1">
             <a:extLst>
               <a:ext uri="{FF2B5EF4-FFF2-40B4-BE49-F238E27FC236}">
-                <a16:creationId xmlns:a16="http://schemas.microsoft.com/office/drawing/2014/main" xmlns="" id="{80C2A2CA-06B6-4E6F-8AC0-2EA128376E10}"/>
+                <a16:creationId xmlns="" xmlns:a16="http://schemas.microsoft.com/office/drawing/2014/main" id="{80C2A2CA-06B6-4E6F-8AC0-2EA128376E10}"/>
               </a:ext>
             </a:extLst>
           </p:cNvPr>
@@ -16077,7 +16093,7 @@
           <p:cNvPr id="3" name="Content Placeholder 2">
             <a:extLst>
               <a:ext uri="{FF2B5EF4-FFF2-40B4-BE49-F238E27FC236}">
-                <a16:creationId xmlns:a16="http://schemas.microsoft.com/office/drawing/2014/main" xmlns="" id="{EA68E610-DD25-431B-85F0-D5B68EABBE7F}"/>
+                <a16:creationId xmlns="" xmlns:a16="http://schemas.microsoft.com/office/drawing/2014/main" id="{EA68E610-DD25-431B-85F0-D5B68EABBE7F}"/>
               </a:ext>
             </a:extLst>
           </p:cNvPr>
@@ -16288,7 +16304,7 @@
           <p:cNvPr id="2" name="Title 1">
             <a:extLst>
               <a:ext uri="{FF2B5EF4-FFF2-40B4-BE49-F238E27FC236}">
-                <a16:creationId xmlns:a16="http://schemas.microsoft.com/office/drawing/2014/main" xmlns="" id="{80C2A2CA-06B6-4E6F-8AC0-2EA128376E10}"/>
+                <a16:creationId xmlns="" xmlns:a16="http://schemas.microsoft.com/office/drawing/2014/main" id="{80C2A2CA-06B6-4E6F-8AC0-2EA128376E10}"/>
               </a:ext>
             </a:extLst>
           </p:cNvPr>
@@ -16325,7 +16341,7 @@
           <p:cNvPr id="3" name="Content Placeholder 2">
             <a:extLst>
               <a:ext uri="{FF2B5EF4-FFF2-40B4-BE49-F238E27FC236}">
-                <a16:creationId xmlns:a16="http://schemas.microsoft.com/office/drawing/2014/main" xmlns="" id="{EA68E610-DD25-431B-85F0-D5B68EABBE7F}"/>
+                <a16:creationId xmlns="" xmlns:a16="http://schemas.microsoft.com/office/drawing/2014/main" id="{EA68E610-DD25-431B-85F0-D5B68EABBE7F}"/>
               </a:ext>
             </a:extLst>
           </p:cNvPr>
@@ -16469,7 +16485,7 @@
           <p:cNvPr id="2" name="Title 1">
             <a:extLst>
               <a:ext uri="{FF2B5EF4-FFF2-40B4-BE49-F238E27FC236}">
-                <a16:creationId xmlns:a16="http://schemas.microsoft.com/office/drawing/2014/main" xmlns="" id="{80C2A2CA-06B6-4E6F-8AC0-2EA128376E10}"/>
+                <a16:creationId xmlns="" xmlns:a16="http://schemas.microsoft.com/office/drawing/2014/main" id="{80C2A2CA-06B6-4E6F-8AC0-2EA128376E10}"/>
               </a:ext>
             </a:extLst>
           </p:cNvPr>
@@ -16506,7 +16522,7 @@
           <p:cNvPr id="3" name="Content Placeholder 2">
             <a:extLst>
               <a:ext uri="{FF2B5EF4-FFF2-40B4-BE49-F238E27FC236}">
-                <a16:creationId xmlns:a16="http://schemas.microsoft.com/office/drawing/2014/main" xmlns="" id="{EA68E610-DD25-431B-85F0-D5B68EABBE7F}"/>
+                <a16:creationId xmlns="" xmlns:a16="http://schemas.microsoft.com/office/drawing/2014/main" id="{EA68E610-DD25-431B-85F0-D5B68EABBE7F}"/>
               </a:ext>
             </a:extLst>
           </p:cNvPr>
@@ -16600,7 +16616,7 @@
           <p:cNvPr id="5" name="Picture 4">
             <a:extLst>
               <a:ext uri="{FF2B5EF4-FFF2-40B4-BE49-F238E27FC236}">
-                <a16:creationId xmlns:a16="http://schemas.microsoft.com/office/drawing/2014/main" xmlns="" id="{A42434F5-0156-433C-B73F-276D60BD871D}"/>
+                <a16:creationId xmlns="" xmlns:a16="http://schemas.microsoft.com/office/drawing/2014/main" id="{A42434F5-0156-433C-B73F-276D60BD871D}"/>
               </a:ext>
             </a:extLst>
           </p:cNvPr>
@@ -16629,7 +16645,7 @@
           <p:cNvPr id="6" name="Picture 5">
             <a:extLst>
               <a:ext uri="{FF2B5EF4-FFF2-40B4-BE49-F238E27FC236}">
-                <a16:creationId xmlns:a16="http://schemas.microsoft.com/office/drawing/2014/main" xmlns="" id="{6850E704-26CD-48D7-B194-338A890AAD57}"/>
+                <a16:creationId xmlns="" xmlns:a16="http://schemas.microsoft.com/office/drawing/2014/main" id="{6850E704-26CD-48D7-B194-338A890AAD57}"/>
               </a:ext>
             </a:extLst>
           </p:cNvPr>
@@ -16695,7 +16711,7 @@
           <p:cNvPr id="2" name="Title 1">
             <a:extLst>
               <a:ext uri="{FF2B5EF4-FFF2-40B4-BE49-F238E27FC236}">
-                <a16:creationId xmlns:a16="http://schemas.microsoft.com/office/drawing/2014/main" xmlns="" id="{80C2A2CA-06B6-4E6F-8AC0-2EA128376E10}"/>
+                <a16:creationId xmlns="" xmlns:a16="http://schemas.microsoft.com/office/drawing/2014/main" id="{80C2A2CA-06B6-4E6F-8AC0-2EA128376E10}"/>
               </a:ext>
             </a:extLst>
           </p:cNvPr>
@@ -16732,7 +16748,7 @@
           <p:cNvPr id="3" name="Content Placeholder 2">
             <a:extLst>
               <a:ext uri="{FF2B5EF4-FFF2-40B4-BE49-F238E27FC236}">
-                <a16:creationId xmlns:a16="http://schemas.microsoft.com/office/drawing/2014/main" xmlns="" id="{EA68E610-DD25-431B-85F0-D5B68EABBE7F}"/>
+                <a16:creationId xmlns="" xmlns:a16="http://schemas.microsoft.com/office/drawing/2014/main" id="{EA68E610-DD25-431B-85F0-D5B68EABBE7F}"/>
               </a:ext>
             </a:extLst>
           </p:cNvPr>
@@ -16823,12 +16839,12 @@
               <a:t>       </a:t>
             </a:r>
             <a:r>
-              <a:rPr lang="en-US" dirty="0" err="1"/>
-              <a:t>GainRatio</a:t>
-            </a:r>
-            <a:r>
-              <a:rPr lang="en-US" dirty="0"/>
-              <a:t>(income) 0.029/1.557 </a:t>
+              <a:rPr lang="en-US" dirty="0" smtClean="0"/>
+              <a:t>Gain Ratio(income</a:t>
+            </a:r>
+            <a:r>
+              <a:rPr lang="en-US" dirty="0"/>
+              <a:t>) 0.029/1.557 </a:t>
             </a:r>
           </a:p>
           <a:p>
@@ -16850,7 +16866,7 @@
           <p:cNvPr id="4" name="Picture 3">
             <a:extLst>
               <a:ext uri="{FF2B5EF4-FFF2-40B4-BE49-F238E27FC236}">
-                <a16:creationId xmlns:a16="http://schemas.microsoft.com/office/drawing/2014/main" xmlns="" id="{502A170C-0ECC-49DD-8D00-029A17E35E32}"/>
+                <a16:creationId xmlns="" xmlns:a16="http://schemas.microsoft.com/office/drawing/2014/main" id="{502A170C-0ECC-49DD-8D00-029A17E35E32}"/>
               </a:ext>
             </a:extLst>
           </p:cNvPr>
@@ -16879,7 +16895,7 @@
           <p:cNvPr id="7" name="Picture 6">
             <a:extLst>
               <a:ext uri="{FF2B5EF4-FFF2-40B4-BE49-F238E27FC236}">
-                <a16:creationId xmlns:a16="http://schemas.microsoft.com/office/drawing/2014/main" xmlns="" id="{A7D0A6B4-811D-4B61-A2E4-0F09C3AD0108}"/>
+                <a16:creationId xmlns="" xmlns:a16="http://schemas.microsoft.com/office/drawing/2014/main" id="{A7D0A6B4-811D-4B61-A2E4-0F09C3AD0108}"/>
               </a:ext>
             </a:extLst>
           </p:cNvPr>
@@ -16909,7 +16925,7 @@
           <p:cNvPr id="8" name="Picture 7">
             <a:extLst>
               <a:ext uri="{FF2B5EF4-FFF2-40B4-BE49-F238E27FC236}">
-                <a16:creationId xmlns:a16="http://schemas.microsoft.com/office/drawing/2014/main" xmlns="" id="{7AE41F85-46C7-4759-9C58-905614E11820}"/>
+                <a16:creationId xmlns="" xmlns:a16="http://schemas.microsoft.com/office/drawing/2014/main" id="{7AE41F85-46C7-4759-9C58-905614E11820}"/>
               </a:ext>
             </a:extLst>
           </p:cNvPr>
@@ -16939,7 +16955,7 @@
           <p:cNvPr id="9" name="Picture 8">
             <a:extLst>
               <a:ext uri="{FF2B5EF4-FFF2-40B4-BE49-F238E27FC236}">
-                <a16:creationId xmlns:a16="http://schemas.microsoft.com/office/drawing/2014/main" xmlns="" id="{7A832560-03FB-4596-B3BD-0776EF2C5D4E}"/>
+                <a16:creationId xmlns="" xmlns:a16="http://schemas.microsoft.com/office/drawing/2014/main" id="{7A832560-03FB-4596-B3BD-0776EF2C5D4E}"/>
               </a:ext>
             </a:extLst>
           </p:cNvPr>
@@ -17137,7 +17153,7 @@
           <p:cNvPr id="2" name="Title 1">
             <a:extLst>
               <a:ext uri="{FF2B5EF4-FFF2-40B4-BE49-F238E27FC236}">
-                <a16:creationId xmlns:a16="http://schemas.microsoft.com/office/drawing/2014/main" xmlns="" id="{80C2A2CA-06B6-4E6F-8AC0-2EA128376E10}"/>
+                <a16:creationId xmlns="" xmlns:a16="http://schemas.microsoft.com/office/drawing/2014/main" id="{80C2A2CA-06B6-4E6F-8AC0-2EA128376E10}"/>
               </a:ext>
             </a:extLst>
           </p:cNvPr>
@@ -17174,7 +17190,7 @@
           <p:cNvPr id="3" name="Content Placeholder 2">
             <a:extLst>
               <a:ext uri="{FF2B5EF4-FFF2-40B4-BE49-F238E27FC236}">
-                <a16:creationId xmlns:a16="http://schemas.microsoft.com/office/drawing/2014/main" xmlns="" id="{EA68E610-DD25-431B-85F0-D5B68EABBE7F}"/>
+                <a16:creationId xmlns="" xmlns:a16="http://schemas.microsoft.com/office/drawing/2014/main" id="{EA68E610-DD25-431B-85F0-D5B68EABBE7F}"/>
               </a:ext>
             </a:extLst>
           </p:cNvPr>
@@ -17269,7 +17285,7 @@
               </a:lnSpc>
             </a:pPr>
             <a:r>
-              <a:rPr lang="en-US" dirty="0"/>
+              <a:rPr lang="en-US" b="1" dirty="0"/>
               <a:t>Gini index considers a binary split for each attribute.</a:t>
             </a:r>
           </a:p>
@@ -17310,7 +17326,7 @@
           <p:cNvPr id="5" name="Picture 4">
             <a:extLst>
               <a:ext uri="{FF2B5EF4-FFF2-40B4-BE49-F238E27FC236}">
-                <a16:creationId xmlns:a16="http://schemas.microsoft.com/office/drawing/2014/main" xmlns="" id="{B45753AD-FDEC-4CCF-A8B6-88DC0BA43C5A}"/>
+                <a16:creationId xmlns="" xmlns:a16="http://schemas.microsoft.com/office/drawing/2014/main" id="{B45753AD-FDEC-4CCF-A8B6-88DC0BA43C5A}"/>
               </a:ext>
             </a:extLst>
           </p:cNvPr>
@@ -17376,7 +17392,7 @@
           <p:cNvPr id="2" name="Title 1">
             <a:extLst>
               <a:ext uri="{FF2B5EF4-FFF2-40B4-BE49-F238E27FC236}">
-                <a16:creationId xmlns:a16="http://schemas.microsoft.com/office/drawing/2014/main" xmlns="" id="{80C2A2CA-06B6-4E6F-8AC0-2EA128376E10}"/>
+                <a16:creationId xmlns="" xmlns:a16="http://schemas.microsoft.com/office/drawing/2014/main" id="{80C2A2CA-06B6-4E6F-8AC0-2EA128376E10}"/>
               </a:ext>
             </a:extLst>
           </p:cNvPr>
@@ -17413,7 +17429,7 @@
           <p:cNvPr id="3" name="Content Placeholder 2">
             <a:extLst>
               <a:ext uri="{FF2B5EF4-FFF2-40B4-BE49-F238E27FC236}">
-                <a16:creationId xmlns:a16="http://schemas.microsoft.com/office/drawing/2014/main" xmlns="" id="{EA68E610-DD25-431B-85F0-D5B68EABBE7F}"/>
+                <a16:creationId xmlns="" xmlns:a16="http://schemas.microsoft.com/office/drawing/2014/main" id="{EA68E610-DD25-431B-85F0-D5B68EABBE7F}"/>
               </a:ext>
             </a:extLst>
           </p:cNvPr>
@@ -17553,7 +17569,7 @@
           <p:cNvPr id="4" name="Picture 3">
             <a:extLst>
               <a:ext uri="{FF2B5EF4-FFF2-40B4-BE49-F238E27FC236}">
-                <a16:creationId xmlns:a16="http://schemas.microsoft.com/office/drawing/2014/main" xmlns="" id="{E004B596-B9EC-4CB5-8A48-6FB02BF556D1}"/>
+                <a16:creationId xmlns="" xmlns:a16="http://schemas.microsoft.com/office/drawing/2014/main" id="{E004B596-B9EC-4CB5-8A48-6FB02BF556D1}"/>
               </a:ext>
             </a:extLst>
           </p:cNvPr>
@@ -17619,7 +17635,7 @@
           <p:cNvPr id="2" name="Title 1">
             <a:extLst>
               <a:ext uri="{FF2B5EF4-FFF2-40B4-BE49-F238E27FC236}">
-                <a16:creationId xmlns:a16="http://schemas.microsoft.com/office/drawing/2014/main" xmlns="" id="{80C2A2CA-06B6-4E6F-8AC0-2EA128376E10}"/>
+                <a16:creationId xmlns="" xmlns:a16="http://schemas.microsoft.com/office/drawing/2014/main" id="{80C2A2CA-06B6-4E6F-8AC0-2EA128376E10}"/>
               </a:ext>
             </a:extLst>
           </p:cNvPr>
@@ -17656,7 +17672,7 @@
           <p:cNvPr id="3" name="Content Placeholder 2">
             <a:extLst>
               <a:ext uri="{FF2B5EF4-FFF2-40B4-BE49-F238E27FC236}">
-                <a16:creationId xmlns:a16="http://schemas.microsoft.com/office/drawing/2014/main" xmlns="" id="{EA68E610-DD25-431B-85F0-D5B68EABBE7F}"/>
+                <a16:creationId xmlns="" xmlns:a16="http://schemas.microsoft.com/office/drawing/2014/main" id="{EA68E610-DD25-431B-85F0-D5B68EABBE7F}"/>
               </a:ext>
             </a:extLst>
           </p:cNvPr>
@@ -17731,7 +17747,7 @@
           <p:cNvPr id="5" name="Picture 4">
             <a:extLst>
               <a:ext uri="{FF2B5EF4-FFF2-40B4-BE49-F238E27FC236}">
-                <a16:creationId xmlns:a16="http://schemas.microsoft.com/office/drawing/2014/main" xmlns="" id="{E2990EC9-67B9-4D0E-98D7-150BDECF68FC}"/>
+                <a16:creationId xmlns="" xmlns:a16="http://schemas.microsoft.com/office/drawing/2014/main" id="{E2990EC9-67B9-4D0E-98D7-150BDECF68FC}"/>
               </a:ext>
             </a:extLst>
           </p:cNvPr>
@@ -17798,7 +17814,7 @@
           <p:cNvPr id="2" name="Title 1">
             <a:extLst>
               <a:ext uri="{FF2B5EF4-FFF2-40B4-BE49-F238E27FC236}">
-                <a16:creationId xmlns:a16="http://schemas.microsoft.com/office/drawing/2014/main" xmlns="" id="{80C2A2CA-06B6-4E6F-8AC0-2EA128376E10}"/>
+                <a16:creationId xmlns="" xmlns:a16="http://schemas.microsoft.com/office/drawing/2014/main" id="{80C2A2CA-06B6-4E6F-8AC0-2EA128376E10}"/>
               </a:ext>
             </a:extLst>
           </p:cNvPr>
@@ -17835,7 +17851,7 @@
           <p:cNvPr id="3" name="Content Placeholder 2">
             <a:extLst>
               <a:ext uri="{FF2B5EF4-FFF2-40B4-BE49-F238E27FC236}">
-                <a16:creationId xmlns:a16="http://schemas.microsoft.com/office/drawing/2014/main" xmlns="" id="{EA68E610-DD25-431B-85F0-D5B68EABBE7F}"/>
+                <a16:creationId xmlns="" xmlns:a16="http://schemas.microsoft.com/office/drawing/2014/main" id="{EA68E610-DD25-431B-85F0-D5B68EABBE7F}"/>
               </a:ext>
             </a:extLst>
           </p:cNvPr>
@@ -17910,7 +17926,7 @@
           <p:cNvPr id="6" name="Picture 5">
             <a:extLst>
               <a:ext uri="{FF2B5EF4-FFF2-40B4-BE49-F238E27FC236}">
-                <a16:creationId xmlns:a16="http://schemas.microsoft.com/office/drawing/2014/main" xmlns="" id="{CBACE5AC-EA41-4C4F-9AA7-6BDF3112B8C2}"/>
+                <a16:creationId xmlns="" xmlns:a16="http://schemas.microsoft.com/office/drawing/2014/main" id="{CBACE5AC-EA41-4C4F-9AA7-6BDF3112B8C2}"/>
               </a:ext>
             </a:extLst>
           </p:cNvPr>
@@ -17940,7 +17956,7 @@
           <p:cNvPr id="7" name="Content Placeholder 2">
             <a:extLst>
               <a:ext uri="{FF2B5EF4-FFF2-40B4-BE49-F238E27FC236}">
-                <a16:creationId xmlns:a16="http://schemas.microsoft.com/office/drawing/2014/main" xmlns="" id="{B7FE943C-8763-4C16-BCEE-2BAF685473B3}"/>
+                <a16:creationId xmlns="" xmlns:a16="http://schemas.microsoft.com/office/drawing/2014/main" id="{B7FE943C-8763-4C16-BCEE-2BAF685473B3}"/>
               </a:ext>
             </a:extLst>
           </p:cNvPr>
@@ -18190,7 +18206,7 @@
           <p:cNvPr id="8" name="Picture 7">
             <a:extLst>
               <a:ext uri="{FF2B5EF4-FFF2-40B4-BE49-F238E27FC236}">
-                <a16:creationId xmlns:a16="http://schemas.microsoft.com/office/drawing/2014/main" xmlns="" id="{C23913DC-811F-495B-A0BB-A5671374E821}"/>
+                <a16:creationId xmlns="" xmlns:a16="http://schemas.microsoft.com/office/drawing/2014/main" id="{C23913DC-811F-495B-A0BB-A5671374E821}"/>
               </a:ext>
             </a:extLst>
           </p:cNvPr>
@@ -18324,7 +18340,7 @@
           <p:cNvPr id="2" name="Title 1">
             <a:extLst>
               <a:ext uri="{FF2B5EF4-FFF2-40B4-BE49-F238E27FC236}">
-                <a16:creationId xmlns:a16="http://schemas.microsoft.com/office/drawing/2014/main" xmlns="" id="{80C2A2CA-06B6-4E6F-8AC0-2EA128376E10}"/>
+                <a16:creationId xmlns="" xmlns:a16="http://schemas.microsoft.com/office/drawing/2014/main" id="{80C2A2CA-06B6-4E6F-8AC0-2EA128376E10}"/>
               </a:ext>
             </a:extLst>
           </p:cNvPr>
@@ -18361,7 +18377,7 @@
           <p:cNvPr id="3" name="Content Placeholder 2">
             <a:extLst>
               <a:ext uri="{FF2B5EF4-FFF2-40B4-BE49-F238E27FC236}">
-                <a16:creationId xmlns:a16="http://schemas.microsoft.com/office/drawing/2014/main" xmlns="" id="{EA68E610-DD25-431B-85F0-D5B68EABBE7F}"/>
+                <a16:creationId xmlns="" xmlns:a16="http://schemas.microsoft.com/office/drawing/2014/main" id="{EA68E610-DD25-431B-85F0-D5B68EABBE7F}"/>
               </a:ext>
             </a:extLst>
           </p:cNvPr>
@@ -18401,7 +18417,7 @@
           <p:cNvPr id="6" name="Picture 5">
             <a:extLst>
               <a:ext uri="{FF2B5EF4-FFF2-40B4-BE49-F238E27FC236}">
-                <a16:creationId xmlns:a16="http://schemas.microsoft.com/office/drawing/2014/main" xmlns="" id="{CBACE5AC-EA41-4C4F-9AA7-6BDF3112B8C2}"/>
+                <a16:creationId xmlns="" xmlns:a16="http://schemas.microsoft.com/office/drawing/2014/main" id="{CBACE5AC-EA41-4C4F-9AA7-6BDF3112B8C2}"/>
               </a:ext>
             </a:extLst>
           </p:cNvPr>
@@ -18431,7 +18447,7 @@
           <p:cNvPr id="7" name="Content Placeholder 2">
             <a:extLst>
               <a:ext uri="{FF2B5EF4-FFF2-40B4-BE49-F238E27FC236}">
-                <a16:creationId xmlns:a16="http://schemas.microsoft.com/office/drawing/2014/main" xmlns="" id="{B7FE943C-8763-4C16-BCEE-2BAF685473B3}"/>
+                <a16:creationId xmlns="" xmlns:a16="http://schemas.microsoft.com/office/drawing/2014/main" id="{B7FE943C-8763-4C16-BCEE-2BAF685473B3}"/>
               </a:ext>
             </a:extLst>
           </p:cNvPr>
@@ -18657,7 +18673,7 @@
           <p:cNvPr id="9" name="Picture 8">
             <a:extLst>
               <a:ext uri="{FF2B5EF4-FFF2-40B4-BE49-F238E27FC236}">
-                <a16:creationId xmlns:a16="http://schemas.microsoft.com/office/drawing/2014/main" xmlns="" id="{C60DBF63-DEE7-46BE-AF1B-79782669DCED}"/>
+                <a16:creationId xmlns="" xmlns:a16="http://schemas.microsoft.com/office/drawing/2014/main" id="{C60DBF63-DEE7-46BE-AF1B-79782669DCED}"/>
               </a:ext>
             </a:extLst>
           </p:cNvPr>
@@ -18687,7 +18703,7 @@
           <p:cNvPr id="10" name="Picture 9">
             <a:extLst>
               <a:ext uri="{FF2B5EF4-FFF2-40B4-BE49-F238E27FC236}">
-                <a16:creationId xmlns:a16="http://schemas.microsoft.com/office/drawing/2014/main" xmlns="" id="{91AF6466-1E51-41E4-A6D0-3ABCB21DEB81}"/>
+                <a16:creationId xmlns="" xmlns:a16="http://schemas.microsoft.com/office/drawing/2014/main" id="{91AF6466-1E51-41E4-A6D0-3ABCB21DEB81}"/>
               </a:ext>
             </a:extLst>
           </p:cNvPr>
@@ -18717,7 +18733,7 @@
           <p:cNvPr id="12" name="Picture 11">
             <a:extLst>
               <a:ext uri="{FF2B5EF4-FFF2-40B4-BE49-F238E27FC236}">
-                <a16:creationId xmlns:a16="http://schemas.microsoft.com/office/drawing/2014/main" xmlns="" id="{4864D6AC-EEE0-44AB-9712-8A82AC106628}"/>
+                <a16:creationId xmlns="" xmlns:a16="http://schemas.microsoft.com/office/drawing/2014/main" id="{4864D6AC-EEE0-44AB-9712-8A82AC106628}"/>
               </a:ext>
             </a:extLst>
           </p:cNvPr>
@@ -18968,7 +18984,7 @@
           <p:cNvPr id="2" name="Title 1">
             <a:extLst>
               <a:ext uri="{FF2B5EF4-FFF2-40B4-BE49-F238E27FC236}">
-                <a16:creationId xmlns:a16="http://schemas.microsoft.com/office/drawing/2014/main" xmlns="" id="{80C2A2CA-06B6-4E6F-8AC0-2EA128376E10}"/>
+                <a16:creationId xmlns="" xmlns:a16="http://schemas.microsoft.com/office/drawing/2014/main" id="{80C2A2CA-06B6-4E6F-8AC0-2EA128376E10}"/>
               </a:ext>
             </a:extLst>
           </p:cNvPr>
@@ -19005,7 +19021,7 @@
           <p:cNvPr id="3" name="Content Placeholder 2">
             <a:extLst>
               <a:ext uri="{FF2B5EF4-FFF2-40B4-BE49-F238E27FC236}">
-                <a16:creationId xmlns:a16="http://schemas.microsoft.com/office/drawing/2014/main" xmlns="" id="{EA68E610-DD25-431B-85F0-D5B68EABBE7F}"/>
+                <a16:creationId xmlns="" xmlns:a16="http://schemas.microsoft.com/office/drawing/2014/main" id="{EA68E610-DD25-431B-85F0-D5B68EABBE7F}"/>
               </a:ext>
             </a:extLst>
           </p:cNvPr>
@@ -19049,12 +19065,12 @@
               <a:t>The attributes student and </a:t>
             </a:r>
             <a:r>
-              <a:rPr lang="en-US" dirty="0" err="1"/>
-              <a:t>credit_rating</a:t>
-            </a:r>
-            <a:r>
-              <a:rPr lang="en-US" dirty="0"/>
-              <a:t> are both binary, with Gini index values of 0.367 and 0.429, respectively.</a:t>
+              <a:rPr lang="en-US" dirty="0" smtClean="0"/>
+              <a:t>credit rating </a:t>
+            </a:r>
+            <a:r>
+              <a:rPr lang="en-US" dirty="0"/>
+              <a:t>are both binary, with Gini index values of 0.367 and 0.429, respectively.</a:t>
             </a:r>
           </a:p>
         </p:txBody>
@@ -19064,7 +19080,7 @@
           <p:cNvPr id="6" name="Picture 5">
             <a:extLst>
               <a:ext uri="{FF2B5EF4-FFF2-40B4-BE49-F238E27FC236}">
-                <a16:creationId xmlns:a16="http://schemas.microsoft.com/office/drawing/2014/main" xmlns="" id="{CBACE5AC-EA41-4C4F-9AA7-6BDF3112B8C2}"/>
+                <a16:creationId xmlns="" xmlns:a16="http://schemas.microsoft.com/office/drawing/2014/main" id="{CBACE5AC-EA41-4C4F-9AA7-6BDF3112B8C2}"/>
               </a:ext>
             </a:extLst>
           </p:cNvPr>
@@ -19094,7 +19110,7 @@
           <p:cNvPr id="7" name="Content Placeholder 2">
             <a:extLst>
               <a:ext uri="{FF2B5EF4-FFF2-40B4-BE49-F238E27FC236}">
-                <a16:creationId xmlns:a16="http://schemas.microsoft.com/office/drawing/2014/main" xmlns="" id="{B7FE943C-8763-4C16-BCEE-2BAF685473B3}"/>
+                <a16:creationId xmlns="" xmlns:a16="http://schemas.microsoft.com/office/drawing/2014/main" id="{B7FE943C-8763-4C16-BCEE-2BAF685473B3}"/>
               </a:ext>
             </a:extLst>
           </p:cNvPr>
@@ -19346,7 +19362,7 @@
           <p:cNvPr id="2" name="Title 1">
             <a:extLst>
               <a:ext uri="{FF2B5EF4-FFF2-40B4-BE49-F238E27FC236}">
-                <a16:creationId xmlns="" xmlns:a16="http://schemas.microsoft.com/office/drawing/2014/main" id="{80C2A2CA-06B6-4E6F-8AC0-2EA128376E10}"/>
+                <a16:creationId xmlns:a16="http://schemas.microsoft.com/office/drawing/2014/main" xmlns="" id="{80C2A2CA-06B6-4E6F-8AC0-2EA128376E10}"/>
               </a:ext>
             </a:extLst>
           </p:cNvPr>
@@ -19382,7 +19398,7 @@
           <p:cNvPr id="3" name="Content Placeholder 2">
             <a:extLst>
               <a:ext uri="{FF2B5EF4-FFF2-40B4-BE49-F238E27FC236}">
-                <a16:creationId xmlns="" xmlns:a16="http://schemas.microsoft.com/office/drawing/2014/main" id="{EA68E610-DD25-431B-85F0-D5B68EABBE7F}"/>
+                <a16:creationId xmlns:a16="http://schemas.microsoft.com/office/drawing/2014/main" xmlns="" id="{EA68E610-DD25-431B-85F0-D5B68EABBE7F}"/>
               </a:ext>
             </a:extLst>
           </p:cNvPr>
@@ -19466,7 +19482,7 @@
           <p:cNvPr id="4" name="Picture 3">
             <a:extLst>
               <a:ext uri="{FF2B5EF4-FFF2-40B4-BE49-F238E27FC236}">
-                <a16:creationId xmlns="" xmlns:a16="http://schemas.microsoft.com/office/drawing/2014/main" id="{1595A7D1-60FB-4A72-A8BF-61DB099623A5}"/>
+                <a16:creationId xmlns:a16="http://schemas.microsoft.com/office/drawing/2014/main" xmlns="" id="{1595A7D1-60FB-4A72-A8BF-61DB099623A5}"/>
               </a:ext>
             </a:extLst>
           </p:cNvPr>
@@ -19751,12 +19767,12 @@
               <a:t> is smallest from all so we </a:t>
             </a:r>
             <a:r>
-              <a:rPr lang="en-US" dirty="0" err="1" smtClean="0"/>
-              <a:t>devide</a:t>
-            </a:r>
-            <a:r>
               <a:rPr lang="en-US" dirty="0" smtClean="0"/>
-              <a:t> from age</a:t>
+              <a:t>divide </a:t>
+            </a:r>
+            <a:r>
+              <a:rPr lang="en-US" dirty="0" smtClean="0"/>
+              <a:t>from age</a:t>
             </a:r>
             <a:endParaRPr lang="en-US" dirty="0"/>
           </a:p>
@@ -20069,12 +20085,12 @@
               <a:t> is smallest from all so we </a:t>
             </a:r>
             <a:r>
-              <a:rPr lang="en-US" dirty="0" err="1" smtClean="0"/>
-              <a:t>devide</a:t>
-            </a:r>
-            <a:r>
               <a:rPr lang="en-US" dirty="0" smtClean="0"/>
-              <a:t> from student</a:t>
+              <a:t>divide </a:t>
+            </a:r>
+            <a:r>
+              <a:rPr lang="en-US" dirty="0" smtClean="0"/>
+              <a:t>from student</a:t>
             </a:r>
             <a:endParaRPr lang="en-US" dirty="0"/>
           </a:p>
@@ -20408,12 +20424,12 @@
               <a:t> is smallest from all so we </a:t>
             </a:r>
             <a:r>
-              <a:rPr lang="en-US" dirty="0" err="1" smtClean="0"/>
-              <a:t>devide</a:t>
-            </a:r>
-            <a:r>
               <a:rPr lang="en-US" dirty="0" smtClean="0"/>
-              <a:t> from credit</a:t>
+              <a:t>divide </a:t>
+            </a:r>
+            <a:r>
+              <a:rPr lang="en-US" dirty="0" smtClean="0"/>
+              <a:t>from credit</a:t>
             </a:r>
             <a:endParaRPr lang="en-US" dirty="0"/>
           </a:p>
@@ -20599,7 +20615,7 @@
           <p:cNvPr id="7" name="Content Placeholder 2">
             <a:extLst>
               <a:ext uri="{FF2B5EF4-FFF2-40B4-BE49-F238E27FC236}">
-                <a16:creationId xmlns:a16="http://schemas.microsoft.com/office/drawing/2014/main" xmlns="" id="{F11C76D9-E48A-44D7-85D0-5684E9ECD260}"/>
+                <a16:creationId xmlns="" xmlns:a16="http://schemas.microsoft.com/office/drawing/2014/main" id="{F11C76D9-E48A-44D7-85D0-5684E9ECD260}"/>
               </a:ext>
             </a:extLst>
           </p:cNvPr>
@@ -20800,7 +20816,7 @@
           <p:cNvPr id="15" name="Picture 14">
             <a:extLst>
               <a:ext uri="{FF2B5EF4-FFF2-40B4-BE49-F238E27FC236}">
-                <a16:creationId xmlns:a16="http://schemas.microsoft.com/office/drawing/2014/main" xmlns="" id="{64ABA7E4-AD34-48A8-BC34-7A0585478B2E}"/>
+                <a16:creationId xmlns="" xmlns:a16="http://schemas.microsoft.com/office/drawing/2014/main" id="{64ABA7E4-AD34-48A8-BC34-7A0585478B2E}"/>
               </a:ext>
             </a:extLst>
           </p:cNvPr>
@@ -20852,7 +20868,7 @@
           <p:nvPr>
             <p:extLst>
               <p:ext uri="{D42A27DB-BD31-4B8C-83A1-F6EECF244321}">
-                <p14:modId xmlns:p14="http://schemas.microsoft.com/office/powerpoint/2010/main" val="1496209098"/>
+                <p14:modId xmlns:p14="http://schemas.microsoft.com/office/powerpoint/2010/main" val="2747051113"/>
               </p:ext>
             </p:extLst>
           </p:nvPr>
@@ -20908,8 +20924,8 @@
                     <a:lstStyle/>
                     <a:p>
                       <a:r>
-                        <a:rPr lang="en-US" dirty="0" err="1" smtClean="0"/>
-                        <a:t>Credit_rating</a:t>
+                        <a:rPr lang="en-US" dirty="0" smtClean="0"/>
+                        <a:t>Credit rating</a:t>
                       </a:r>
                       <a:endParaRPr lang="en-IN" dirty="0"/>
                     </a:p>
@@ -21118,7 +21134,7 @@
           <p:nvPr>
             <p:extLst>
               <p:ext uri="{D42A27DB-BD31-4B8C-83A1-F6EECF244321}">
-                <p14:modId xmlns:p14="http://schemas.microsoft.com/office/powerpoint/2010/main" val="2427607100"/>
+                <p14:modId xmlns:p14="http://schemas.microsoft.com/office/powerpoint/2010/main" val="4179380748"/>
               </p:ext>
             </p:extLst>
           </p:nvPr>
@@ -21174,8 +21190,8 @@
                     <a:lstStyle/>
                     <a:p>
                       <a:r>
-                        <a:rPr lang="en-US" dirty="0" err="1" smtClean="0"/>
-                        <a:t>Credit_rating</a:t>
+                        <a:rPr lang="en-US" dirty="0" smtClean="0"/>
+                        <a:t>Credit rating</a:t>
                       </a:r>
                       <a:endParaRPr lang="en-IN" dirty="0"/>
                     </a:p>
@@ -21429,7 +21445,7 @@
           <p:cNvPr id="7" name="Content Placeholder 2">
             <a:extLst>
               <a:ext uri="{FF2B5EF4-FFF2-40B4-BE49-F238E27FC236}">
-                <a16:creationId xmlns:a16="http://schemas.microsoft.com/office/drawing/2014/main" xmlns="" id="{F11C76D9-E48A-44D7-85D0-5684E9ECD260}"/>
+                <a16:creationId xmlns="" xmlns:a16="http://schemas.microsoft.com/office/drawing/2014/main" id="{F11C76D9-E48A-44D7-85D0-5684E9ECD260}"/>
               </a:ext>
             </a:extLst>
           </p:cNvPr>
@@ -21630,7 +21646,7 @@
           <p:cNvPr id="15" name="Picture 14">
             <a:extLst>
               <a:ext uri="{FF2B5EF4-FFF2-40B4-BE49-F238E27FC236}">
-                <a16:creationId xmlns:a16="http://schemas.microsoft.com/office/drawing/2014/main" xmlns="" id="{64ABA7E4-AD34-48A8-BC34-7A0585478B2E}"/>
+                <a16:creationId xmlns="" xmlns:a16="http://schemas.microsoft.com/office/drawing/2014/main" id="{64ABA7E4-AD34-48A8-BC34-7A0585478B2E}"/>
               </a:ext>
             </a:extLst>
           </p:cNvPr>
@@ -22805,7 +22821,7 @@
           <p:cNvPr id="2" name="Title 1">
             <a:extLst>
               <a:ext uri="{FF2B5EF4-FFF2-40B4-BE49-F238E27FC236}">
-                <a16:creationId xmlns:a16="http://schemas.microsoft.com/office/drawing/2014/main" xmlns="" id="{80C2A2CA-06B6-4E6F-8AC0-2EA128376E10}"/>
+                <a16:creationId xmlns="" xmlns:a16="http://schemas.microsoft.com/office/drawing/2014/main" id="{80C2A2CA-06B6-4E6F-8AC0-2EA128376E10}"/>
               </a:ext>
             </a:extLst>
           </p:cNvPr>
@@ -22842,7 +22858,7 @@
           <p:cNvPr id="7" name="Content Placeholder 2">
             <a:extLst>
               <a:ext uri="{FF2B5EF4-FFF2-40B4-BE49-F238E27FC236}">
-                <a16:creationId xmlns:a16="http://schemas.microsoft.com/office/drawing/2014/main" xmlns="" id="{F11C76D9-E48A-44D7-85D0-5684E9ECD260}"/>
+                <a16:creationId xmlns="" xmlns:a16="http://schemas.microsoft.com/office/drawing/2014/main" id="{F11C76D9-E48A-44D7-85D0-5684E9ECD260}"/>
               </a:ext>
             </a:extLst>
           </p:cNvPr>
@@ -23043,7 +23059,7 @@
           <p:cNvPr id="5" name="Picture 4">
             <a:extLst>
               <a:ext uri="{FF2B5EF4-FFF2-40B4-BE49-F238E27FC236}">
-                <a16:creationId xmlns:a16="http://schemas.microsoft.com/office/drawing/2014/main" xmlns="" id="{C3230D3E-0126-4EAB-A241-7239E8ECB846}"/>
+                <a16:creationId xmlns="" xmlns:a16="http://schemas.microsoft.com/office/drawing/2014/main" id="{C3230D3E-0126-4EAB-A241-7239E8ECB846}"/>
               </a:ext>
             </a:extLst>
           </p:cNvPr>
@@ -23073,7 +23089,7 @@
           <p:cNvPr id="15" name="Picture 14">
             <a:extLst>
               <a:ext uri="{FF2B5EF4-FFF2-40B4-BE49-F238E27FC236}">
-                <a16:creationId xmlns:a16="http://schemas.microsoft.com/office/drawing/2014/main" xmlns="" id="{64ABA7E4-AD34-48A8-BC34-7A0585478B2E}"/>
+                <a16:creationId xmlns="" xmlns:a16="http://schemas.microsoft.com/office/drawing/2014/main" id="{64ABA7E4-AD34-48A8-BC34-7A0585478B2E}"/>
               </a:ext>
             </a:extLst>
           </p:cNvPr>
@@ -23102,7 +23118,7 @@
           <p:cNvPr id="3" name="Picture 2">
             <a:extLst>
               <a:ext uri="{FF2B5EF4-FFF2-40B4-BE49-F238E27FC236}">
-                <a16:creationId xmlns:a16="http://schemas.microsoft.com/office/drawing/2014/main" xmlns="" id="{7305945B-4E48-409B-9137-73A3883B679E}"/>
+                <a16:creationId xmlns="" xmlns:a16="http://schemas.microsoft.com/office/drawing/2014/main" id="{7305945B-4E48-409B-9137-73A3883B679E}"/>
               </a:ext>
             </a:extLst>
           </p:cNvPr>
@@ -23168,7 +23184,7 @@
           <p:cNvPr id="2" name="Title 1">
             <a:extLst>
               <a:ext uri="{FF2B5EF4-FFF2-40B4-BE49-F238E27FC236}">
-                <a16:creationId xmlns:a16="http://schemas.microsoft.com/office/drawing/2014/main" xmlns="" id="{80C2A2CA-06B6-4E6F-8AC0-2EA128376E10}"/>
+                <a16:creationId xmlns="" xmlns:a16="http://schemas.microsoft.com/office/drawing/2014/main" id="{80C2A2CA-06B6-4E6F-8AC0-2EA128376E10}"/>
               </a:ext>
             </a:extLst>
           </p:cNvPr>
@@ -23205,7 +23221,7 @@
           <p:cNvPr id="3" name="Content Placeholder 2">
             <a:extLst>
               <a:ext uri="{FF2B5EF4-FFF2-40B4-BE49-F238E27FC236}">
-                <a16:creationId xmlns:a16="http://schemas.microsoft.com/office/drawing/2014/main" xmlns="" id="{EA68E610-DD25-431B-85F0-D5B68EABBE7F}"/>
+                <a16:creationId xmlns="" xmlns:a16="http://schemas.microsoft.com/office/drawing/2014/main" id="{EA68E610-DD25-431B-85F0-D5B68EABBE7F}"/>
               </a:ext>
             </a:extLst>
           </p:cNvPr>
@@ -23381,7 +23397,7 @@
           <p:cNvPr id="2" name="Title 1">
             <a:extLst>
               <a:ext uri="{FF2B5EF4-FFF2-40B4-BE49-F238E27FC236}">
-                <a16:creationId xmlns:a16="http://schemas.microsoft.com/office/drawing/2014/main" xmlns="" id="{80C2A2CA-06B6-4E6F-8AC0-2EA128376E10}"/>
+                <a16:creationId xmlns="" xmlns:a16="http://schemas.microsoft.com/office/drawing/2014/main" id="{80C2A2CA-06B6-4E6F-8AC0-2EA128376E10}"/>
               </a:ext>
             </a:extLst>
           </p:cNvPr>
@@ -23418,7 +23434,7 @@
           <p:cNvPr id="3" name="Content Placeholder 2">
             <a:extLst>
               <a:ext uri="{FF2B5EF4-FFF2-40B4-BE49-F238E27FC236}">
-                <a16:creationId xmlns:a16="http://schemas.microsoft.com/office/drawing/2014/main" xmlns="" id="{EA68E610-DD25-431B-85F0-D5B68EABBE7F}"/>
+                <a16:creationId xmlns="" xmlns:a16="http://schemas.microsoft.com/office/drawing/2014/main" id="{EA68E610-DD25-431B-85F0-D5B68EABBE7F}"/>
               </a:ext>
             </a:extLst>
           </p:cNvPr>
@@ -23553,7 +23569,7 @@
           <p:cNvPr id="4" name="Picture 3">
             <a:extLst>
               <a:ext uri="{FF2B5EF4-FFF2-40B4-BE49-F238E27FC236}">
-                <a16:creationId xmlns:a16="http://schemas.microsoft.com/office/drawing/2014/main" xmlns="" id="{17906A76-89EC-4D5C-8F29-87939D44010C}"/>
+                <a16:creationId xmlns="" xmlns:a16="http://schemas.microsoft.com/office/drawing/2014/main" id="{17906A76-89EC-4D5C-8F29-87939D44010C}"/>
               </a:ext>
             </a:extLst>
           </p:cNvPr>
@@ -23619,7 +23635,7 @@
           <p:cNvPr id="2" name="Title 1">
             <a:extLst>
               <a:ext uri="{FF2B5EF4-FFF2-40B4-BE49-F238E27FC236}">
-                <a16:creationId xmlns:a16="http://schemas.microsoft.com/office/drawing/2014/main" xmlns="" id="{80C2A2CA-06B6-4E6F-8AC0-2EA128376E10}"/>
+                <a16:creationId xmlns="" xmlns:a16="http://schemas.microsoft.com/office/drawing/2014/main" id="{80C2A2CA-06B6-4E6F-8AC0-2EA128376E10}"/>
               </a:ext>
             </a:extLst>
           </p:cNvPr>
@@ -23656,7 +23672,7 @@
           <p:cNvPr id="3" name="Content Placeholder 2">
             <a:extLst>
               <a:ext uri="{FF2B5EF4-FFF2-40B4-BE49-F238E27FC236}">
-                <a16:creationId xmlns:a16="http://schemas.microsoft.com/office/drawing/2014/main" xmlns="" id="{EA68E610-DD25-431B-85F0-D5B68EABBE7F}"/>
+                <a16:creationId xmlns="" xmlns:a16="http://schemas.microsoft.com/office/drawing/2014/main" id="{EA68E610-DD25-431B-85F0-D5B68EABBE7F}"/>
               </a:ext>
             </a:extLst>
           </p:cNvPr>
@@ -23715,7 +23731,7 @@
           <p:cNvPr id="5" name="Picture 4">
             <a:extLst>
               <a:ext uri="{FF2B5EF4-FFF2-40B4-BE49-F238E27FC236}">
-                <a16:creationId xmlns:a16="http://schemas.microsoft.com/office/drawing/2014/main" xmlns="" id="{19E9A322-C04A-43F3-B7A3-E5D653913A36}"/>
+                <a16:creationId xmlns="" xmlns:a16="http://schemas.microsoft.com/office/drawing/2014/main" id="{19E9A322-C04A-43F3-B7A3-E5D653913A36}"/>
               </a:ext>
             </a:extLst>
           </p:cNvPr>
@@ -23781,7 +23797,7 @@
           <p:cNvPr id="2" name="Title 1">
             <a:extLst>
               <a:ext uri="{FF2B5EF4-FFF2-40B4-BE49-F238E27FC236}">
-                <a16:creationId xmlns:a16="http://schemas.microsoft.com/office/drawing/2014/main" xmlns="" id="{80C2A2CA-06B6-4E6F-8AC0-2EA128376E10}"/>
+                <a16:creationId xmlns="" xmlns:a16="http://schemas.microsoft.com/office/drawing/2014/main" id="{80C2A2CA-06B6-4E6F-8AC0-2EA128376E10}"/>
               </a:ext>
             </a:extLst>
           </p:cNvPr>
@@ -23818,7 +23834,7 @@
           <p:cNvPr id="3" name="Content Placeholder 2">
             <a:extLst>
               <a:ext uri="{FF2B5EF4-FFF2-40B4-BE49-F238E27FC236}">
-                <a16:creationId xmlns:a16="http://schemas.microsoft.com/office/drawing/2014/main" xmlns="" id="{EA68E610-DD25-431B-85F0-D5B68EABBE7F}"/>
+                <a16:creationId xmlns="" xmlns:a16="http://schemas.microsoft.com/office/drawing/2014/main" id="{EA68E610-DD25-431B-85F0-D5B68EABBE7F}"/>
               </a:ext>
             </a:extLst>
           </p:cNvPr>
@@ -23904,7 +23920,7 @@
           <p:cNvPr id="4" name="Picture 3">
             <a:extLst>
               <a:ext uri="{FF2B5EF4-FFF2-40B4-BE49-F238E27FC236}">
-                <a16:creationId xmlns:a16="http://schemas.microsoft.com/office/drawing/2014/main" xmlns="" id="{17906A76-89EC-4D5C-8F29-87939D44010C}"/>
+                <a16:creationId xmlns="" xmlns:a16="http://schemas.microsoft.com/office/drawing/2014/main" id="{17906A76-89EC-4D5C-8F29-87939D44010C}"/>
               </a:ext>
             </a:extLst>
           </p:cNvPr>
@@ -23970,7 +23986,7 @@
           <p:cNvPr id="2" name="Title 1">
             <a:extLst>
               <a:ext uri="{FF2B5EF4-FFF2-40B4-BE49-F238E27FC236}">
-                <a16:creationId xmlns="" xmlns:a16="http://schemas.microsoft.com/office/drawing/2014/main" id="{80C2A2CA-06B6-4E6F-8AC0-2EA128376E10}"/>
+                <a16:creationId xmlns:a16="http://schemas.microsoft.com/office/drawing/2014/main" xmlns="" id="{80C2A2CA-06B6-4E6F-8AC0-2EA128376E10}"/>
               </a:ext>
             </a:extLst>
           </p:cNvPr>
@@ -24006,7 +24022,7 @@
           <p:cNvPr id="3" name="Content Placeholder 2">
             <a:extLst>
               <a:ext uri="{FF2B5EF4-FFF2-40B4-BE49-F238E27FC236}">
-                <a16:creationId xmlns="" xmlns:a16="http://schemas.microsoft.com/office/drawing/2014/main" id="{EA68E610-DD25-431B-85F0-D5B68EABBE7F}"/>
+                <a16:creationId xmlns:a16="http://schemas.microsoft.com/office/drawing/2014/main" xmlns="" id="{EA68E610-DD25-431B-85F0-D5B68EABBE7F}"/>
               </a:ext>
             </a:extLst>
           </p:cNvPr>
@@ -24089,7 +24105,7 @@
           <p:cNvPr id="4" name="Picture 3">
             <a:extLst>
               <a:ext uri="{FF2B5EF4-FFF2-40B4-BE49-F238E27FC236}">
-                <a16:creationId xmlns="" xmlns:a16="http://schemas.microsoft.com/office/drawing/2014/main" id="{1595A7D1-60FB-4A72-A8BF-61DB099623A5}"/>
+                <a16:creationId xmlns:a16="http://schemas.microsoft.com/office/drawing/2014/main" xmlns="" id="{1595A7D1-60FB-4A72-A8BF-61DB099623A5}"/>
               </a:ext>
             </a:extLst>
           </p:cNvPr>
@@ -24945,7 +24961,7 @@
           <p:cNvPr id="2" name="Title 1">
             <a:extLst>
               <a:ext uri="{FF2B5EF4-FFF2-40B4-BE49-F238E27FC236}">
-                <a16:creationId xmlns:a16="http://schemas.microsoft.com/office/drawing/2014/main" xmlns="" id="{80C2A2CA-06B6-4E6F-8AC0-2EA128376E10}"/>
+                <a16:creationId xmlns="" xmlns:a16="http://schemas.microsoft.com/office/drawing/2014/main" id="{80C2A2CA-06B6-4E6F-8AC0-2EA128376E10}"/>
               </a:ext>
             </a:extLst>
           </p:cNvPr>
@@ -24982,7 +24998,7 @@
           <p:cNvPr id="3" name="Content Placeholder 2">
             <a:extLst>
               <a:ext uri="{FF2B5EF4-FFF2-40B4-BE49-F238E27FC236}">
-                <a16:creationId xmlns:a16="http://schemas.microsoft.com/office/drawing/2014/main" xmlns="" id="{EA68E610-DD25-431B-85F0-D5B68EABBE7F}"/>
+                <a16:creationId xmlns="" xmlns:a16="http://schemas.microsoft.com/office/drawing/2014/main" id="{EA68E610-DD25-431B-85F0-D5B68EABBE7F}"/>
               </a:ext>
             </a:extLst>
           </p:cNvPr>
@@ -25141,7 +25157,7 @@
           <p:cNvPr id="2" name="Title 1">
             <a:extLst>
               <a:ext uri="{FF2B5EF4-FFF2-40B4-BE49-F238E27FC236}">
-                <a16:creationId xmlns:a16="http://schemas.microsoft.com/office/drawing/2014/main" xmlns="" id="{80C2A2CA-06B6-4E6F-8AC0-2EA128376E10}"/>
+                <a16:creationId xmlns="" xmlns:a16="http://schemas.microsoft.com/office/drawing/2014/main" id="{80C2A2CA-06B6-4E6F-8AC0-2EA128376E10}"/>
               </a:ext>
             </a:extLst>
           </p:cNvPr>
@@ -25178,7 +25194,7 @@
           <p:cNvPr id="3" name="Content Placeholder 2">
             <a:extLst>
               <a:ext uri="{FF2B5EF4-FFF2-40B4-BE49-F238E27FC236}">
-                <a16:creationId xmlns:a16="http://schemas.microsoft.com/office/drawing/2014/main" xmlns="" id="{EA68E610-DD25-431B-85F0-D5B68EABBE7F}"/>
+                <a16:creationId xmlns="" xmlns:a16="http://schemas.microsoft.com/office/drawing/2014/main" id="{EA68E610-DD25-431B-85F0-D5B68EABBE7F}"/>
               </a:ext>
             </a:extLst>
           </p:cNvPr>
@@ -25328,7 +25344,7 @@
           <p:cNvPr id="4" name="Picture 3">
             <a:extLst>
               <a:ext uri="{FF2B5EF4-FFF2-40B4-BE49-F238E27FC236}">
-                <a16:creationId xmlns:a16="http://schemas.microsoft.com/office/drawing/2014/main" xmlns="" id="{81582111-1C88-46B5-A27B-577CD58DED84}"/>
+                <a16:creationId xmlns="" xmlns:a16="http://schemas.microsoft.com/office/drawing/2014/main" id="{81582111-1C88-46B5-A27B-577CD58DED84}"/>
               </a:ext>
             </a:extLst>
           </p:cNvPr>
@@ -25357,7 +25373,7 @@
           <p:cNvPr id="5" name="Picture 4">
             <a:extLst>
               <a:ext uri="{FF2B5EF4-FFF2-40B4-BE49-F238E27FC236}">
-                <a16:creationId xmlns:a16="http://schemas.microsoft.com/office/drawing/2014/main" xmlns="" id="{DDCE3B71-2860-4635-AF58-BFAEAE6E01FD}"/>
+                <a16:creationId xmlns="" xmlns:a16="http://schemas.microsoft.com/office/drawing/2014/main" id="{DDCE3B71-2860-4635-AF58-BFAEAE6E01FD}"/>
               </a:ext>
             </a:extLst>
           </p:cNvPr>
@@ -25416,7 +25432,7 @@
           <p:cNvPr id="2" name="Title 1">
             <a:extLst>
               <a:ext uri="{FF2B5EF4-FFF2-40B4-BE49-F238E27FC236}">
-                <a16:creationId xmlns:a16="http://schemas.microsoft.com/office/drawing/2014/main" xmlns="" id="{80C2A2CA-06B6-4E6F-8AC0-2EA128376E10}"/>
+                <a16:creationId xmlns="" xmlns:a16="http://schemas.microsoft.com/office/drawing/2014/main" id="{80C2A2CA-06B6-4E6F-8AC0-2EA128376E10}"/>
               </a:ext>
             </a:extLst>
           </p:cNvPr>
@@ -25453,7 +25469,7 @@
           <p:cNvPr id="3" name="Content Placeholder 2">
             <a:extLst>
               <a:ext uri="{FF2B5EF4-FFF2-40B4-BE49-F238E27FC236}">
-                <a16:creationId xmlns:a16="http://schemas.microsoft.com/office/drawing/2014/main" xmlns="" id="{EA68E610-DD25-431B-85F0-D5B68EABBE7F}"/>
+                <a16:creationId xmlns="" xmlns:a16="http://schemas.microsoft.com/office/drawing/2014/main" id="{EA68E610-DD25-431B-85F0-D5B68EABBE7F}"/>
               </a:ext>
             </a:extLst>
           </p:cNvPr>
@@ -25623,7 +25639,7 @@
           <p:cNvPr id="6" name="Picture 5">
             <a:extLst>
               <a:ext uri="{FF2B5EF4-FFF2-40B4-BE49-F238E27FC236}">
-                <a16:creationId xmlns:a16="http://schemas.microsoft.com/office/drawing/2014/main" xmlns="" id="{D45A20B7-5B32-4CE2-A0A6-B7392F773ECD}"/>
+                <a16:creationId xmlns="" xmlns:a16="http://schemas.microsoft.com/office/drawing/2014/main" id="{D45A20B7-5B32-4CE2-A0A6-B7392F773ECD}"/>
               </a:ext>
             </a:extLst>
           </p:cNvPr>
@@ -25653,7 +25669,7 @@
           <p:cNvPr id="7" name="Picture 6">
             <a:extLst>
               <a:ext uri="{FF2B5EF4-FFF2-40B4-BE49-F238E27FC236}">
-                <a16:creationId xmlns:a16="http://schemas.microsoft.com/office/drawing/2014/main" xmlns="" id="{44F68383-EFC2-4177-9D09-B4A33EAA5727}"/>
+                <a16:creationId xmlns="" xmlns:a16="http://schemas.microsoft.com/office/drawing/2014/main" id="{44F68383-EFC2-4177-9D09-B4A33EAA5727}"/>
               </a:ext>
             </a:extLst>
           </p:cNvPr>
@@ -25713,7 +25729,7 @@
           <p:cNvPr id="2" name="Title 1">
             <a:extLst>
               <a:ext uri="{FF2B5EF4-FFF2-40B4-BE49-F238E27FC236}">
-                <a16:creationId xmlns:a16="http://schemas.microsoft.com/office/drawing/2014/main" xmlns="" id="{80C2A2CA-06B6-4E6F-8AC0-2EA128376E10}"/>
+                <a16:creationId xmlns="" xmlns:a16="http://schemas.microsoft.com/office/drawing/2014/main" id="{80C2A2CA-06B6-4E6F-8AC0-2EA128376E10}"/>
               </a:ext>
             </a:extLst>
           </p:cNvPr>
@@ -25750,7 +25766,7 @@
           <p:cNvPr id="3" name="Content Placeholder 2">
             <a:extLst>
               <a:ext uri="{FF2B5EF4-FFF2-40B4-BE49-F238E27FC236}">
-                <a16:creationId xmlns:a16="http://schemas.microsoft.com/office/drawing/2014/main" xmlns="" id="{EA68E610-DD25-431B-85F0-D5B68EABBE7F}"/>
+                <a16:creationId xmlns="" xmlns:a16="http://schemas.microsoft.com/office/drawing/2014/main" id="{EA68E610-DD25-431B-85F0-D5B68EABBE7F}"/>
               </a:ext>
             </a:extLst>
           </p:cNvPr>
@@ -25809,7 +25825,7 @@
           <p:cNvPr id="8" name="Picture 7">
             <a:extLst>
               <a:ext uri="{FF2B5EF4-FFF2-40B4-BE49-F238E27FC236}">
-                <a16:creationId xmlns:a16="http://schemas.microsoft.com/office/drawing/2014/main" xmlns="" id="{A048D810-9EF1-4E08-9F68-BCB3D2DBFC86}"/>
+                <a16:creationId xmlns="" xmlns:a16="http://schemas.microsoft.com/office/drawing/2014/main" id="{A048D810-9EF1-4E08-9F68-BCB3D2DBFC86}"/>
               </a:ext>
             </a:extLst>
           </p:cNvPr>
@@ -25839,7 +25855,7 @@
           <p:cNvPr id="4" name="Picture 3">
             <a:extLst>
               <a:ext uri="{FF2B5EF4-FFF2-40B4-BE49-F238E27FC236}">
-                <a16:creationId xmlns:a16="http://schemas.microsoft.com/office/drawing/2014/main" xmlns="" id="{109054CD-F985-4467-A2B8-0D4A7977FADF}"/>
+                <a16:creationId xmlns="" xmlns:a16="http://schemas.microsoft.com/office/drawing/2014/main" id="{109054CD-F985-4467-A2B8-0D4A7977FADF}"/>
               </a:ext>
             </a:extLst>
           </p:cNvPr>
@@ -25869,7 +25885,7 @@
           <p:cNvPr id="9" name="Content Placeholder 2">
             <a:extLst>
               <a:ext uri="{FF2B5EF4-FFF2-40B4-BE49-F238E27FC236}">
-                <a16:creationId xmlns:a16="http://schemas.microsoft.com/office/drawing/2014/main" xmlns="" id="{267E3A8C-2EB1-4E12-8084-2B0F9349A697}"/>
+                <a16:creationId xmlns="" xmlns:a16="http://schemas.microsoft.com/office/drawing/2014/main" id="{267E3A8C-2EB1-4E12-8084-2B0F9349A697}"/>
               </a:ext>
             </a:extLst>
           </p:cNvPr>
@@ -26120,7 +26136,7 @@
           <p:cNvPr id="5" name="Picture 4">
             <a:extLst>
               <a:ext uri="{FF2B5EF4-FFF2-40B4-BE49-F238E27FC236}">
-                <a16:creationId xmlns:a16="http://schemas.microsoft.com/office/drawing/2014/main" xmlns="" id="{8302ACBA-9C71-43C4-AD6B-5D22E2C5B8E9}"/>
+                <a16:creationId xmlns="" xmlns:a16="http://schemas.microsoft.com/office/drawing/2014/main" id="{8302ACBA-9C71-43C4-AD6B-5D22E2C5B8E9}"/>
               </a:ext>
             </a:extLst>
           </p:cNvPr>
@@ -26150,7 +26166,7 @@
           <p:cNvPr id="10" name="Picture 9">
             <a:extLst>
               <a:ext uri="{FF2B5EF4-FFF2-40B4-BE49-F238E27FC236}">
-                <a16:creationId xmlns:a16="http://schemas.microsoft.com/office/drawing/2014/main" xmlns="" id="{2ED7B8AB-93CD-408C-917C-F8360035CBDD}"/>
+                <a16:creationId xmlns="" xmlns:a16="http://schemas.microsoft.com/office/drawing/2014/main" id="{2ED7B8AB-93CD-408C-917C-F8360035CBDD}"/>
               </a:ext>
             </a:extLst>
           </p:cNvPr>
@@ -26210,7 +26226,7 @@
           <p:cNvPr id="2" name="Title 1">
             <a:extLst>
               <a:ext uri="{FF2B5EF4-FFF2-40B4-BE49-F238E27FC236}">
-                <a16:creationId xmlns:a16="http://schemas.microsoft.com/office/drawing/2014/main" xmlns="" id="{80C2A2CA-06B6-4E6F-8AC0-2EA128376E10}"/>
+                <a16:creationId xmlns="" xmlns:a16="http://schemas.microsoft.com/office/drawing/2014/main" id="{80C2A2CA-06B6-4E6F-8AC0-2EA128376E10}"/>
               </a:ext>
             </a:extLst>
           </p:cNvPr>
@@ -26247,7 +26263,7 @@
           <p:cNvPr id="3" name="Content Placeholder 2">
             <a:extLst>
               <a:ext uri="{FF2B5EF4-FFF2-40B4-BE49-F238E27FC236}">
-                <a16:creationId xmlns:a16="http://schemas.microsoft.com/office/drawing/2014/main" xmlns="" id="{EA68E610-DD25-431B-85F0-D5B68EABBE7F}"/>
+                <a16:creationId xmlns="" xmlns:a16="http://schemas.microsoft.com/office/drawing/2014/main" id="{EA68E610-DD25-431B-85F0-D5B68EABBE7F}"/>
               </a:ext>
             </a:extLst>
           </p:cNvPr>
@@ -26306,7 +26322,7 @@
           <p:cNvPr id="8" name="Picture 7">
             <a:extLst>
               <a:ext uri="{FF2B5EF4-FFF2-40B4-BE49-F238E27FC236}">
-                <a16:creationId xmlns:a16="http://schemas.microsoft.com/office/drawing/2014/main" xmlns="" id="{A048D810-9EF1-4E08-9F68-BCB3D2DBFC86}"/>
+                <a16:creationId xmlns="" xmlns:a16="http://schemas.microsoft.com/office/drawing/2014/main" id="{A048D810-9EF1-4E08-9F68-BCB3D2DBFC86}"/>
               </a:ext>
             </a:extLst>
           </p:cNvPr>
@@ -26336,7 +26352,7 @@
           <p:cNvPr id="4" name="Picture 3">
             <a:extLst>
               <a:ext uri="{FF2B5EF4-FFF2-40B4-BE49-F238E27FC236}">
-                <a16:creationId xmlns:a16="http://schemas.microsoft.com/office/drawing/2014/main" xmlns="" id="{109054CD-F985-4467-A2B8-0D4A7977FADF}"/>
+                <a16:creationId xmlns="" xmlns:a16="http://schemas.microsoft.com/office/drawing/2014/main" id="{109054CD-F985-4467-A2B8-0D4A7977FADF}"/>
               </a:ext>
             </a:extLst>
           </p:cNvPr>
@@ -26366,7 +26382,7 @@
           <p:cNvPr id="9" name="Content Placeholder 2">
             <a:extLst>
               <a:ext uri="{FF2B5EF4-FFF2-40B4-BE49-F238E27FC236}">
-                <a16:creationId xmlns:a16="http://schemas.microsoft.com/office/drawing/2014/main" xmlns="" id="{267E3A8C-2EB1-4E12-8084-2B0F9349A697}"/>
+                <a16:creationId xmlns="" xmlns:a16="http://schemas.microsoft.com/office/drawing/2014/main" id="{267E3A8C-2EB1-4E12-8084-2B0F9349A697}"/>
               </a:ext>
             </a:extLst>
           </p:cNvPr>
@@ -26621,7 +26637,7 @@
           <p:cNvPr id="10" name="Picture 9">
             <a:extLst>
               <a:ext uri="{FF2B5EF4-FFF2-40B4-BE49-F238E27FC236}">
-                <a16:creationId xmlns:a16="http://schemas.microsoft.com/office/drawing/2014/main" xmlns="" id="{FD1D2582-DB0E-4B4F-9443-AA619DE5B3BF}"/>
+                <a16:creationId xmlns="" xmlns:a16="http://schemas.microsoft.com/office/drawing/2014/main" id="{FD1D2582-DB0E-4B4F-9443-AA619DE5B3BF}"/>
               </a:ext>
             </a:extLst>
           </p:cNvPr>
@@ -26651,7 +26667,7 @@
           <p:cNvPr id="11" name="Picture 10">
             <a:extLst>
               <a:ext uri="{FF2B5EF4-FFF2-40B4-BE49-F238E27FC236}">
-                <a16:creationId xmlns:a16="http://schemas.microsoft.com/office/drawing/2014/main" xmlns="" id="{94CDC0CC-4C83-46C4-A2AF-8A646216285B}"/>
+                <a16:creationId xmlns="" xmlns:a16="http://schemas.microsoft.com/office/drawing/2014/main" id="{94CDC0CC-4C83-46C4-A2AF-8A646216285B}"/>
               </a:ext>
             </a:extLst>
           </p:cNvPr>
@@ -26711,7 +26727,7 @@
           <p:cNvPr id="2" name="Title 1">
             <a:extLst>
               <a:ext uri="{FF2B5EF4-FFF2-40B4-BE49-F238E27FC236}">
-                <a16:creationId xmlns:a16="http://schemas.microsoft.com/office/drawing/2014/main" xmlns="" id="{80C2A2CA-06B6-4E6F-8AC0-2EA128376E10}"/>
+                <a16:creationId xmlns="" xmlns:a16="http://schemas.microsoft.com/office/drawing/2014/main" id="{80C2A2CA-06B6-4E6F-8AC0-2EA128376E10}"/>
               </a:ext>
             </a:extLst>
           </p:cNvPr>
@@ -26748,7 +26764,7 @@
           <p:cNvPr id="3" name="Content Placeholder 2">
             <a:extLst>
               <a:ext uri="{FF2B5EF4-FFF2-40B4-BE49-F238E27FC236}">
-                <a16:creationId xmlns:a16="http://schemas.microsoft.com/office/drawing/2014/main" xmlns="" id="{EA68E610-DD25-431B-85F0-D5B68EABBE7F}"/>
+                <a16:creationId xmlns="" xmlns:a16="http://schemas.microsoft.com/office/drawing/2014/main" id="{EA68E610-DD25-431B-85F0-D5B68EABBE7F}"/>
               </a:ext>
             </a:extLst>
           </p:cNvPr>
@@ -26796,7 +26812,7 @@
           <p:cNvPr id="8" name="Picture 7">
             <a:extLst>
               <a:ext uri="{FF2B5EF4-FFF2-40B4-BE49-F238E27FC236}">
-                <a16:creationId xmlns:a16="http://schemas.microsoft.com/office/drawing/2014/main" xmlns="" id="{A048D810-9EF1-4E08-9F68-BCB3D2DBFC86}"/>
+                <a16:creationId xmlns="" xmlns:a16="http://schemas.microsoft.com/office/drawing/2014/main" id="{A048D810-9EF1-4E08-9F68-BCB3D2DBFC86}"/>
               </a:ext>
             </a:extLst>
           </p:cNvPr>
@@ -26826,7 +26842,7 @@
           <p:cNvPr id="9" name="Content Placeholder 2">
             <a:extLst>
               <a:ext uri="{FF2B5EF4-FFF2-40B4-BE49-F238E27FC236}">
-                <a16:creationId xmlns:a16="http://schemas.microsoft.com/office/drawing/2014/main" xmlns="" id="{267E3A8C-2EB1-4E12-8084-2B0F9349A697}"/>
+                <a16:creationId xmlns="" xmlns:a16="http://schemas.microsoft.com/office/drawing/2014/main" id="{267E3A8C-2EB1-4E12-8084-2B0F9349A697}"/>
               </a:ext>
             </a:extLst>
           </p:cNvPr>
@@ -27042,7 +27058,7 @@
           <p:cNvPr id="6" name="Picture 5">
             <a:extLst>
               <a:ext uri="{FF2B5EF4-FFF2-40B4-BE49-F238E27FC236}">
-                <a16:creationId xmlns:a16="http://schemas.microsoft.com/office/drawing/2014/main" xmlns="" id="{45426443-FEAB-4A47-AE6D-E7B31020912F}"/>
+                <a16:creationId xmlns="" xmlns:a16="http://schemas.microsoft.com/office/drawing/2014/main" id="{45426443-FEAB-4A47-AE6D-E7B31020912F}"/>
               </a:ext>
             </a:extLst>
           </p:cNvPr>
@@ -27072,7 +27088,7 @@
           <p:cNvPr id="7" name="Picture 6">
             <a:extLst>
               <a:ext uri="{FF2B5EF4-FFF2-40B4-BE49-F238E27FC236}">
-                <a16:creationId xmlns:a16="http://schemas.microsoft.com/office/drawing/2014/main" xmlns="" id="{D83FA79C-871E-4C00-A4F5-C4EABFFD1587}"/>
+                <a16:creationId xmlns="" xmlns:a16="http://schemas.microsoft.com/office/drawing/2014/main" id="{D83FA79C-871E-4C00-A4F5-C4EABFFD1587}"/>
               </a:ext>
             </a:extLst>
           </p:cNvPr>
@@ -27102,7 +27118,7 @@
           <p:cNvPr id="10" name="Picture 9">
             <a:extLst>
               <a:ext uri="{FF2B5EF4-FFF2-40B4-BE49-F238E27FC236}">
-                <a16:creationId xmlns:a16="http://schemas.microsoft.com/office/drawing/2014/main" xmlns="" id="{EB0052F9-EF26-4D4C-A384-D98B0418EBC0}"/>
+                <a16:creationId xmlns="" xmlns:a16="http://schemas.microsoft.com/office/drawing/2014/main" id="{EB0052F9-EF26-4D4C-A384-D98B0418EBC0}"/>
               </a:ext>
             </a:extLst>
           </p:cNvPr>
@@ -27132,7 +27148,7 @@
           <p:cNvPr id="11" name="Picture 10">
             <a:extLst>
               <a:ext uri="{FF2B5EF4-FFF2-40B4-BE49-F238E27FC236}">
-                <a16:creationId xmlns:a16="http://schemas.microsoft.com/office/drawing/2014/main" xmlns="" id="{1B53E79B-9039-4242-97E6-7E33F161D113}"/>
+                <a16:creationId xmlns="" xmlns:a16="http://schemas.microsoft.com/office/drawing/2014/main" id="{1B53E79B-9039-4242-97E6-7E33F161D113}"/>
               </a:ext>
             </a:extLst>
           </p:cNvPr>
@@ -27192,7 +27208,7 @@
           <p:cNvPr id="2" name="Title 1">
             <a:extLst>
               <a:ext uri="{FF2B5EF4-FFF2-40B4-BE49-F238E27FC236}">
-                <a16:creationId xmlns:a16="http://schemas.microsoft.com/office/drawing/2014/main" xmlns="" id="{80C2A2CA-06B6-4E6F-8AC0-2EA128376E10}"/>
+                <a16:creationId xmlns="" xmlns:a16="http://schemas.microsoft.com/office/drawing/2014/main" id="{80C2A2CA-06B6-4E6F-8AC0-2EA128376E10}"/>
               </a:ext>
             </a:extLst>
           </p:cNvPr>
@@ -27229,7 +27245,7 @@
           <p:cNvPr id="3" name="Content Placeholder 2">
             <a:extLst>
               <a:ext uri="{FF2B5EF4-FFF2-40B4-BE49-F238E27FC236}">
-                <a16:creationId xmlns:a16="http://schemas.microsoft.com/office/drawing/2014/main" xmlns="" id="{EA68E610-DD25-431B-85F0-D5B68EABBE7F}"/>
+                <a16:creationId xmlns="" xmlns:a16="http://schemas.microsoft.com/office/drawing/2014/main" id="{EA68E610-DD25-431B-85F0-D5B68EABBE7F}"/>
               </a:ext>
             </a:extLst>
           </p:cNvPr>
@@ -27314,7 +27330,7 @@
           <p:cNvPr id="8" name="Picture 7">
             <a:extLst>
               <a:ext uri="{FF2B5EF4-FFF2-40B4-BE49-F238E27FC236}">
-                <a16:creationId xmlns:a16="http://schemas.microsoft.com/office/drawing/2014/main" xmlns="" id="{A048D810-9EF1-4E08-9F68-BCB3D2DBFC86}"/>
+                <a16:creationId xmlns="" xmlns:a16="http://schemas.microsoft.com/office/drawing/2014/main" id="{A048D810-9EF1-4E08-9F68-BCB3D2DBFC86}"/>
               </a:ext>
             </a:extLst>
           </p:cNvPr>
@@ -27344,7 +27360,7 @@
           <p:cNvPr id="9" name="Content Placeholder 2">
             <a:extLst>
               <a:ext uri="{FF2B5EF4-FFF2-40B4-BE49-F238E27FC236}">
-                <a16:creationId xmlns:a16="http://schemas.microsoft.com/office/drawing/2014/main" xmlns="" id="{267E3A8C-2EB1-4E12-8084-2B0F9349A697}"/>
+                <a16:creationId xmlns="" xmlns:a16="http://schemas.microsoft.com/office/drawing/2014/main" id="{267E3A8C-2EB1-4E12-8084-2B0F9349A697}"/>
               </a:ext>
             </a:extLst>
           </p:cNvPr>
@@ -27545,7 +27561,7 @@
           <p:cNvPr id="6" name="Picture 5">
             <a:extLst>
               <a:ext uri="{FF2B5EF4-FFF2-40B4-BE49-F238E27FC236}">
-                <a16:creationId xmlns:a16="http://schemas.microsoft.com/office/drawing/2014/main" xmlns="" id="{45426443-FEAB-4A47-AE6D-E7B31020912F}"/>
+                <a16:creationId xmlns="" xmlns:a16="http://schemas.microsoft.com/office/drawing/2014/main" id="{45426443-FEAB-4A47-AE6D-E7B31020912F}"/>
               </a:ext>
             </a:extLst>
           </p:cNvPr>
@@ -27575,7 +27591,7 @@
           <p:cNvPr id="7" name="Picture 6">
             <a:extLst>
               <a:ext uri="{FF2B5EF4-FFF2-40B4-BE49-F238E27FC236}">
-                <a16:creationId xmlns:a16="http://schemas.microsoft.com/office/drawing/2014/main" xmlns="" id="{D83FA79C-871E-4C00-A4F5-C4EABFFD1587}"/>
+                <a16:creationId xmlns="" xmlns:a16="http://schemas.microsoft.com/office/drawing/2014/main" id="{D83FA79C-871E-4C00-A4F5-C4EABFFD1587}"/>
               </a:ext>
             </a:extLst>
           </p:cNvPr>
@@ -27605,7 +27621,7 @@
           <p:cNvPr id="10" name="Picture 9">
             <a:extLst>
               <a:ext uri="{FF2B5EF4-FFF2-40B4-BE49-F238E27FC236}">
-                <a16:creationId xmlns:a16="http://schemas.microsoft.com/office/drawing/2014/main" xmlns="" id="{E415A003-589E-4F6E-992A-03C44B105498}"/>
+                <a16:creationId xmlns="" xmlns:a16="http://schemas.microsoft.com/office/drawing/2014/main" id="{E415A003-589E-4F6E-992A-03C44B105498}"/>
               </a:ext>
             </a:extLst>
           </p:cNvPr>
@@ -27635,7 +27651,7 @@
           <p:cNvPr id="11" name="Picture 10">
             <a:extLst>
               <a:ext uri="{FF2B5EF4-FFF2-40B4-BE49-F238E27FC236}">
-                <a16:creationId xmlns:a16="http://schemas.microsoft.com/office/drawing/2014/main" xmlns="" id="{FF92438D-984A-442F-BB6E-C25D69441318}"/>
+                <a16:creationId xmlns="" xmlns:a16="http://schemas.microsoft.com/office/drawing/2014/main" id="{FF92438D-984A-442F-BB6E-C25D69441318}"/>
               </a:ext>
             </a:extLst>
           </p:cNvPr>
@@ -27665,7 +27681,7 @@
           <p:cNvPr id="17" name="Picture 16">
             <a:extLst>
               <a:ext uri="{FF2B5EF4-FFF2-40B4-BE49-F238E27FC236}">
-                <a16:creationId xmlns:a16="http://schemas.microsoft.com/office/drawing/2014/main" xmlns="" id="{765223BA-286D-4EC1-83C2-59554C42793F}"/>
+                <a16:creationId xmlns="" xmlns:a16="http://schemas.microsoft.com/office/drawing/2014/main" id="{765223BA-286D-4EC1-83C2-59554C42793F}"/>
               </a:ext>
             </a:extLst>
           </p:cNvPr>
@@ -27694,7 +27710,7 @@
           <p:cNvPr id="18" name="Picture 17">
             <a:extLst>
               <a:ext uri="{FF2B5EF4-FFF2-40B4-BE49-F238E27FC236}">
-                <a16:creationId xmlns:a16="http://schemas.microsoft.com/office/drawing/2014/main" xmlns="" id="{9E3C7D36-5C30-4803-9584-55E5DF047A5E}"/>
+                <a16:creationId xmlns="" xmlns:a16="http://schemas.microsoft.com/office/drawing/2014/main" id="{9E3C7D36-5C30-4803-9584-55E5DF047A5E}"/>
               </a:ext>
             </a:extLst>
           </p:cNvPr>
@@ -27754,7 +27770,7 @@
           <p:cNvPr id="2" name="Title 1">
             <a:extLst>
               <a:ext uri="{FF2B5EF4-FFF2-40B4-BE49-F238E27FC236}">
-                <a16:creationId xmlns:a16="http://schemas.microsoft.com/office/drawing/2014/main" xmlns="" id="{80C2A2CA-06B6-4E6F-8AC0-2EA128376E10}"/>
+                <a16:creationId xmlns="" xmlns:a16="http://schemas.microsoft.com/office/drawing/2014/main" id="{80C2A2CA-06B6-4E6F-8AC0-2EA128376E10}"/>
               </a:ext>
             </a:extLst>
           </p:cNvPr>
@@ -27791,7 +27807,7 @@
           <p:cNvPr id="3" name="Content Placeholder 2">
             <a:extLst>
               <a:ext uri="{FF2B5EF4-FFF2-40B4-BE49-F238E27FC236}">
-                <a16:creationId xmlns:a16="http://schemas.microsoft.com/office/drawing/2014/main" xmlns="" id="{EA68E610-DD25-431B-85F0-D5B68EABBE7F}"/>
+                <a16:creationId xmlns="" xmlns:a16="http://schemas.microsoft.com/office/drawing/2014/main" id="{EA68E610-DD25-431B-85F0-D5B68EABBE7F}"/>
               </a:ext>
             </a:extLst>
           </p:cNvPr>
@@ -27876,7 +27892,7 @@
           <p:cNvPr id="8" name="Picture 7">
             <a:extLst>
               <a:ext uri="{FF2B5EF4-FFF2-40B4-BE49-F238E27FC236}">
-                <a16:creationId xmlns:a16="http://schemas.microsoft.com/office/drawing/2014/main" xmlns="" id="{A048D810-9EF1-4E08-9F68-BCB3D2DBFC86}"/>
+                <a16:creationId xmlns="" xmlns:a16="http://schemas.microsoft.com/office/drawing/2014/main" id="{A048D810-9EF1-4E08-9F68-BCB3D2DBFC86}"/>
               </a:ext>
             </a:extLst>
           </p:cNvPr>
@@ -27906,7 +27922,7 @@
           <p:cNvPr id="9" name="Content Placeholder 2">
             <a:extLst>
               <a:ext uri="{FF2B5EF4-FFF2-40B4-BE49-F238E27FC236}">
-                <a16:creationId xmlns:a16="http://schemas.microsoft.com/office/drawing/2014/main" xmlns="" id="{267E3A8C-2EB1-4E12-8084-2B0F9349A697}"/>
+                <a16:creationId xmlns="" xmlns:a16="http://schemas.microsoft.com/office/drawing/2014/main" id="{267E3A8C-2EB1-4E12-8084-2B0F9349A697}"/>
               </a:ext>
             </a:extLst>
           </p:cNvPr>
@@ -28107,7 +28123,7 @@
           <p:cNvPr id="6" name="Picture 5">
             <a:extLst>
               <a:ext uri="{FF2B5EF4-FFF2-40B4-BE49-F238E27FC236}">
-                <a16:creationId xmlns:a16="http://schemas.microsoft.com/office/drawing/2014/main" xmlns="" id="{45426443-FEAB-4A47-AE6D-E7B31020912F}"/>
+                <a16:creationId xmlns="" xmlns:a16="http://schemas.microsoft.com/office/drawing/2014/main" id="{45426443-FEAB-4A47-AE6D-E7B31020912F}"/>
               </a:ext>
             </a:extLst>
           </p:cNvPr>
@@ -28137,7 +28153,7 @@
           <p:cNvPr id="7" name="Picture 6">
             <a:extLst>
               <a:ext uri="{FF2B5EF4-FFF2-40B4-BE49-F238E27FC236}">
-                <a16:creationId xmlns:a16="http://schemas.microsoft.com/office/drawing/2014/main" xmlns="" id="{D83FA79C-871E-4C00-A4F5-C4EABFFD1587}"/>
+                <a16:creationId xmlns="" xmlns:a16="http://schemas.microsoft.com/office/drawing/2014/main" id="{D83FA79C-871E-4C00-A4F5-C4EABFFD1587}"/>
               </a:ext>
             </a:extLst>
           </p:cNvPr>
@@ -28167,7 +28183,7 @@
           <p:cNvPr id="10" name="Picture 9">
             <a:extLst>
               <a:ext uri="{FF2B5EF4-FFF2-40B4-BE49-F238E27FC236}">
-                <a16:creationId xmlns:a16="http://schemas.microsoft.com/office/drawing/2014/main" xmlns="" id="{E415A003-589E-4F6E-992A-03C44B105498}"/>
+                <a16:creationId xmlns="" xmlns:a16="http://schemas.microsoft.com/office/drawing/2014/main" id="{E415A003-589E-4F6E-992A-03C44B105498}"/>
               </a:ext>
             </a:extLst>
           </p:cNvPr>
@@ -28197,7 +28213,7 @@
           <p:cNvPr id="11" name="Picture 10">
             <a:extLst>
               <a:ext uri="{FF2B5EF4-FFF2-40B4-BE49-F238E27FC236}">
-                <a16:creationId xmlns:a16="http://schemas.microsoft.com/office/drawing/2014/main" xmlns="" id="{FF92438D-984A-442F-BB6E-C25D69441318}"/>
+                <a16:creationId xmlns="" xmlns:a16="http://schemas.microsoft.com/office/drawing/2014/main" id="{FF92438D-984A-442F-BB6E-C25D69441318}"/>
               </a:ext>
             </a:extLst>
           </p:cNvPr>
@@ -28227,7 +28243,7 @@
           <p:cNvPr id="13" name="Picture 12">
             <a:extLst>
               <a:ext uri="{FF2B5EF4-FFF2-40B4-BE49-F238E27FC236}">
-                <a16:creationId xmlns:a16="http://schemas.microsoft.com/office/drawing/2014/main" xmlns="" id="{E21723BA-0A8B-4B3D-87C7-F59498C5A4CD}"/>
+                <a16:creationId xmlns="" xmlns:a16="http://schemas.microsoft.com/office/drawing/2014/main" id="{E21723BA-0A8B-4B3D-87C7-F59498C5A4CD}"/>
               </a:ext>
             </a:extLst>
           </p:cNvPr>
@@ -28257,7 +28273,7 @@
           <p:cNvPr id="14" name="Picture 13">
             <a:extLst>
               <a:ext uri="{FF2B5EF4-FFF2-40B4-BE49-F238E27FC236}">
-                <a16:creationId xmlns:a16="http://schemas.microsoft.com/office/drawing/2014/main" xmlns="" id="{1BDC3990-2E99-4653-8B68-5C31307D0710}"/>
+                <a16:creationId xmlns="" xmlns:a16="http://schemas.microsoft.com/office/drawing/2014/main" id="{1BDC3990-2E99-4653-8B68-5C31307D0710}"/>
               </a:ext>
             </a:extLst>
           </p:cNvPr>
@@ -28287,7 +28303,7 @@
           <p:cNvPr id="16" name="Picture 15">
             <a:extLst>
               <a:ext uri="{FF2B5EF4-FFF2-40B4-BE49-F238E27FC236}">
-                <a16:creationId xmlns:a16="http://schemas.microsoft.com/office/drawing/2014/main" xmlns="" id="{039E175E-220B-4BFB-B61B-862F0F949E17}"/>
+                <a16:creationId xmlns="" xmlns:a16="http://schemas.microsoft.com/office/drawing/2014/main" id="{039E175E-220B-4BFB-B61B-862F0F949E17}"/>
               </a:ext>
             </a:extLst>
           </p:cNvPr>
@@ -28316,7 +28332,7 @@
           <p:cNvPr id="17" name="Picture 16">
             <a:extLst>
               <a:ext uri="{FF2B5EF4-FFF2-40B4-BE49-F238E27FC236}">
-                <a16:creationId xmlns:a16="http://schemas.microsoft.com/office/drawing/2014/main" xmlns="" id="{BA1BED40-B1DD-478F-8AE6-E4C50675677F}"/>
+                <a16:creationId xmlns="" xmlns:a16="http://schemas.microsoft.com/office/drawing/2014/main" id="{BA1BED40-B1DD-478F-8AE6-E4C50675677F}"/>
               </a:ext>
             </a:extLst>
           </p:cNvPr>
@@ -28376,7 +28392,7 @@
           <p:cNvPr id="2" name="Title 1">
             <a:extLst>
               <a:ext uri="{FF2B5EF4-FFF2-40B4-BE49-F238E27FC236}">
-                <a16:creationId xmlns="" xmlns:a16="http://schemas.microsoft.com/office/drawing/2014/main" id="{80C2A2CA-06B6-4E6F-8AC0-2EA128376E10}"/>
+                <a16:creationId xmlns:a16="http://schemas.microsoft.com/office/drawing/2014/main" xmlns="" id="{80C2A2CA-06B6-4E6F-8AC0-2EA128376E10}"/>
               </a:ext>
             </a:extLst>
           </p:cNvPr>
@@ -28412,7 +28428,7 @@
           <p:cNvPr id="3" name="Content Placeholder 2">
             <a:extLst>
               <a:ext uri="{FF2B5EF4-FFF2-40B4-BE49-F238E27FC236}">
-                <a16:creationId xmlns="" xmlns:a16="http://schemas.microsoft.com/office/drawing/2014/main" id="{EA68E610-DD25-431B-85F0-D5B68EABBE7F}"/>
+                <a16:creationId xmlns:a16="http://schemas.microsoft.com/office/drawing/2014/main" xmlns="" id="{EA68E610-DD25-431B-85F0-D5B68EABBE7F}"/>
               </a:ext>
             </a:extLst>
           </p:cNvPr>
@@ -28495,7 +28511,7 @@
           <p:cNvPr id="4" name="Picture 3">
             <a:extLst>
               <a:ext uri="{FF2B5EF4-FFF2-40B4-BE49-F238E27FC236}">
-                <a16:creationId xmlns="" xmlns:a16="http://schemas.microsoft.com/office/drawing/2014/main" id="{1595A7D1-60FB-4A72-A8BF-61DB099623A5}"/>
+                <a16:creationId xmlns:a16="http://schemas.microsoft.com/office/drawing/2014/main" xmlns="" id="{1595A7D1-60FB-4A72-A8BF-61DB099623A5}"/>
               </a:ext>
             </a:extLst>
           </p:cNvPr>
@@ -28524,7 +28540,7 @@
           <p:cNvPr id="7" name="Picture 6">
             <a:extLst>
               <a:ext uri="{FF2B5EF4-FFF2-40B4-BE49-F238E27FC236}">
-                <a16:creationId xmlns="" xmlns:a16="http://schemas.microsoft.com/office/drawing/2014/main" id="{D370732B-D0BE-461F-AE4F-3B907221B4FB}"/>
+                <a16:creationId xmlns:a16="http://schemas.microsoft.com/office/drawing/2014/main" xmlns="" id="{D370732B-D0BE-461F-AE4F-3B907221B4FB}"/>
               </a:ext>
             </a:extLst>
           </p:cNvPr>
@@ -28739,7 +28755,7 @@
           <p:cNvPr id="2" name="Title 1">
             <a:extLst>
               <a:ext uri="{FF2B5EF4-FFF2-40B4-BE49-F238E27FC236}">
-                <a16:creationId xmlns:a16="http://schemas.microsoft.com/office/drawing/2014/main" xmlns="" id="{80C2A2CA-06B6-4E6F-8AC0-2EA128376E10}"/>
+                <a16:creationId xmlns="" xmlns:a16="http://schemas.microsoft.com/office/drawing/2014/main" id="{80C2A2CA-06B6-4E6F-8AC0-2EA128376E10}"/>
               </a:ext>
             </a:extLst>
           </p:cNvPr>
@@ -28775,7 +28791,7 @@
           <p:cNvPr id="3" name="Content Placeholder 2">
             <a:extLst>
               <a:ext uri="{FF2B5EF4-FFF2-40B4-BE49-F238E27FC236}">
-                <a16:creationId xmlns:a16="http://schemas.microsoft.com/office/drawing/2014/main" xmlns="" id="{EA68E610-DD25-431B-85F0-D5B68EABBE7F}"/>
+                <a16:creationId xmlns="" xmlns:a16="http://schemas.microsoft.com/office/drawing/2014/main" id="{EA68E610-DD25-431B-85F0-D5B68EABBE7F}"/>
               </a:ext>
             </a:extLst>
           </p:cNvPr>
@@ -28952,7 +28968,7 @@
           <p:cNvPr id="2" name="Title 1">
             <a:extLst>
               <a:ext uri="{FF2B5EF4-FFF2-40B4-BE49-F238E27FC236}">
-                <a16:creationId xmlns:a16="http://schemas.microsoft.com/office/drawing/2014/main" xmlns="" id="{80C2A2CA-06B6-4E6F-8AC0-2EA128376E10}"/>
+                <a16:creationId xmlns="" xmlns:a16="http://schemas.microsoft.com/office/drawing/2014/main" id="{80C2A2CA-06B6-4E6F-8AC0-2EA128376E10}"/>
               </a:ext>
             </a:extLst>
           </p:cNvPr>
@@ -28988,7 +29004,7 @@
           <p:cNvPr id="3" name="Content Placeholder 2">
             <a:extLst>
               <a:ext uri="{FF2B5EF4-FFF2-40B4-BE49-F238E27FC236}">
-                <a16:creationId xmlns:a16="http://schemas.microsoft.com/office/drawing/2014/main" xmlns="" id="{EA68E610-DD25-431B-85F0-D5B68EABBE7F}"/>
+                <a16:creationId xmlns="" xmlns:a16="http://schemas.microsoft.com/office/drawing/2014/main" id="{EA68E610-DD25-431B-85F0-D5B68EABBE7F}"/>
               </a:ext>
             </a:extLst>
           </p:cNvPr>
@@ -29317,7 +29333,7 @@
           <p:cNvPr id="5" name="Picture 4">
             <a:extLst>
               <a:ext uri="{FF2B5EF4-FFF2-40B4-BE49-F238E27FC236}">
-                <a16:creationId xmlns:a16="http://schemas.microsoft.com/office/drawing/2014/main" xmlns="" id="{C6D871A3-125C-41FB-93AB-2A996F252F21}"/>
+                <a16:creationId xmlns="" xmlns:a16="http://schemas.microsoft.com/office/drawing/2014/main" id="{C6D871A3-125C-41FB-93AB-2A996F252F21}"/>
               </a:ext>
             </a:extLst>
           </p:cNvPr>
@@ -29382,7 +29398,7 @@
           <p:cNvPr id="2" name="Title 1">
             <a:extLst>
               <a:ext uri="{FF2B5EF4-FFF2-40B4-BE49-F238E27FC236}">
-                <a16:creationId xmlns:a16="http://schemas.microsoft.com/office/drawing/2014/main" xmlns="" id="{80C2A2CA-06B6-4E6F-8AC0-2EA128376E10}"/>
+                <a16:creationId xmlns="" xmlns:a16="http://schemas.microsoft.com/office/drawing/2014/main" id="{80C2A2CA-06B6-4E6F-8AC0-2EA128376E10}"/>
               </a:ext>
             </a:extLst>
           </p:cNvPr>
@@ -29418,7 +29434,7 @@
           <p:cNvPr id="3" name="Content Placeholder 2">
             <a:extLst>
               <a:ext uri="{FF2B5EF4-FFF2-40B4-BE49-F238E27FC236}">
-                <a16:creationId xmlns:a16="http://schemas.microsoft.com/office/drawing/2014/main" xmlns="" id="{EA68E610-DD25-431B-85F0-D5B68EABBE7F}"/>
+                <a16:creationId xmlns="" xmlns:a16="http://schemas.microsoft.com/office/drawing/2014/main" id="{EA68E610-DD25-431B-85F0-D5B68EABBE7F}"/>
               </a:ext>
             </a:extLst>
           </p:cNvPr>
@@ -29579,7 +29595,7 @@
           <p:cNvPr id="2" name="Title 1">
             <a:extLst>
               <a:ext uri="{FF2B5EF4-FFF2-40B4-BE49-F238E27FC236}">
-                <a16:creationId xmlns:a16="http://schemas.microsoft.com/office/drawing/2014/main" xmlns="" id="{80C2A2CA-06B6-4E6F-8AC0-2EA128376E10}"/>
+                <a16:creationId xmlns="" xmlns:a16="http://schemas.microsoft.com/office/drawing/2014/main" id="{80C2A2CA-06B6-4E6F-8AC0-2EA128376E10}"/>
               </a:ext>
             </a:extLst>
           </p:cNvPr>
@@ -29615,7 +29631,7 @@
           <p:cNvPr id="3" name="Content Placeholder 2">
             <a:extLst>
               <a:ext uri="{FF2B5EF4-FFF2-40B4-BE49-F238E27FC236}">
-                <a16:creationId xmlns:a16="http://schemas.microsoft.com/office/drawing/2014/main" xmlns="" id="{EA68E610-DD25-431B-85F0-D5B68EABBE7F}"/>
+                <a16:creationId xmlns="" xmlns:a16="http://schemas.microsoft.com/office/drawing/2014/main" id="{EA68E610-DD25-431B-85F0-D5B68EABBE7F}"/>
               </a:ext>
             </a:extLst>
           </p:cNvPr>
@@ -29714,7 +29730,7 @@
           <p:cNvPr id="2" name="Title 1">
             <a:extLst>
               <a:ext uri="{FF2B5EF4-FFF2-40B4-BE49-F238E27FC236}">
-                <a16:creationId xmlns:a16="http://schemas.microsoft.com/office/drawing/2014/main" xmlns="" id="{80C2A2CA-06B6-4E6F-8AC0-2EA128376E10}"/>
+                <a16:creationId xmlns="" xmlns:a16="http://schemas.microsoft.com/office/drawing/2014/main" id="{80C2A2CA-06B6-4E6F-8AC0-2EA128376E10}"/>
               </a:ext>
             </a:extLst>
           </p:cNvPr>
@@ -29750,7 +29766,7 @@
           <p:cNvPr id="3" name="Content Placeholder 2">
             <a:extLst>
               <a:ext uri="{FF2B5EF4-FFF2-40B4-BE49-F238E27FC236}">
-                <a16:creationId xmlns:a16="http://schemas.microsoft.com/office/drawing/2014/main" xmlns="" id="{EA68E610-DD25-431B-85F0-D5B68EABBE7F}"/>
+                <a16:creationId xmlns="" xmlns:a16="http://schemas.microsoft.com/office/drawing/2014/main" id="{EA68E610-DD25-431B-85F0-D5B68EABBE7F}"/>
               </a:ext>
             </a:extLst>
           </p:cNvPr>
@@ -29907,7 +29923,7 @@
           <p:cNvPr id="2" name="Title 1">
             <a:extLst>
               <a:ext uri="{FF2B5EF4-FFF2-40B4-BE49-F238E27FC236}">
-                <a16:creationId xmlns="" xmlns:a16="http://schemas.microsoft.com/office/drawing/2014/main" id="{80C2A2CA-06B6-4E6F-8AC0-2EA128376E10}"/>
+                <a16:creationId xmlns:a16="http://schemas.microsoft.com/office/drawing/2014/main" xmlns="" id="{80C2A2CA-06B6-4E6F-8AC0-2EA128376E10}"/>
               </a:ext>
             </a:extLst>
           </p:cNvPr>
@@ -29943,7 +29959,7 @@
           <p:cNvPr id="3" name="Content Placeholder 2">
             <a:extLst>
               <a:ext uri="{FF2B5EF4-FFF2-40B4-BE49-F238E27FC236}">
-                <a16:creationId xmlns="" xmlns:a16="http://schemas.microsoft.com/office/drawing/2014/main" id="{EA68E610-DD25-431B-85F0-D5B68EABBE7F}"/>
+                <a16:creationId xmlns:a16="http://schemas.microsoft.com/office/drawing/2014/main" xmlns="" id="{EA68E610-DD25-431B-85F0-D5B68EABBE7F}"/>
               </a:ext>
             </a:extLst>
           </p:cNvPr>
@@ -30026,7 +30042,7 @@
           <p:cNvPr id="4" name="Picture 3">
             <a:extLst>
               <a:ext uri="{FF2B5EF4-FFF2-40B4-BE49-F238E27FC236}">
-                <a16:creationId xmlns="" xmlns:a16="http://schemas.microsoft.com/office/drawing/2014/main" id="{1595A7D1-60FB-4A72-A8BF-61DB099623A5}"/>
+                <a16:creationId xmlns:a16="http://schemas.microsoft.com/office/drawing/2014/main" xmlns="" id="{1595A7D1-60FB-4A72-A8BF-61DB099623A5}"/>
               </a:ext>
             </a:extLst>
           </p:cNvPr>
@@ -30055,7 +30071,7 @@
           <p:cNvPr id="8" name="Picture 7">
             <a:extLst>
               <a:ext uri="{FF2B5EF4-FFF2-40B4-BE49-F238E27FC236}">
-                <a16:creationId xmlns="" xmlns:a16="http://schemas.microsoft.com/office/drawing/2014/main" id="{2F731CE4-A936-4CCE-A290-7446A06E7D8F}"/>
+                <a16:creationId xmlns:a16="http://schemas.microsoft.com/office/drawing/2014/main" xmlns="" id="{2F731CE4-A936-4CCE-A290-7446A06E7D8F}"/>
               </a:ext>
             </a:extLst>
           </p:cNvPr>
@@ -30378,7 +30394,7 @@
           <p:cNvPr id="2" name="Title 1">
             <a:extLst>
               <a:ext uri="{FF2B5EF4-FFF2-40B4-BE49-F238E27FC236}">
-                <a16:creationId xmlns="" xmlns:a16="http://schemas.microsoft.com/office/drawing/2014/main" id="{80C2A2CA-06B6-4E6F-8AC0-2EA128376E10}"/>
+                <a16:creationId xmlns:a16="http://schemas.microsoft.com/office/drawing/2014/main" xmlns="" id="{80C2A2CA-06B6-4E6F-8AC0-2EA128376E10}"/>
               </a:ext>
             </a:extLst>
           </p:cNvPr>
@@ -30414,7 +30430,7 @@
           <p:cNvPr id="3" name="Content Placeholder 2">
             <a:extLst>
               <a:ext uri="{FF2B5EF4-FFF2-40B4-BE49-F238E27FC236}">
-                <a16:creationId xmlns="" xmlns:a16="http://schemas.microsoft.com/office/drawing/2014/main" id="{EA68E610-DD25-431B-85F0-D5B68EABBE7F}"/>
+                <a16:creationId xmlns:a16="http://schemas.microsoft.com/office/drawing/2014/main" xmlns="" id="{EA68E610-DD25-431B-85F0-D5B68EABBE7F}"/>
               </a:ext>
             </a:extLst>
           </p:cNvPr>
@@ -30509,7 +30525,7 @@
           <p:cNvPr id="4" name="Picture 3">
             <a:extLst>
               <a:ext uri="{FF2B5EF4-FFF2-40B4-BE49-F238E27FC236}">
-                <a16:creationId xmlns="" xmlns:a16="http://schemas.microsoft.com/office/drawing/2014/main" id="{1595A7D1-60FB-4A72-A8BF-61DB099623A5}"/>
+                <a16:creationId xmlns:a16="http://schemas.microsoft.com/office/drawing/2014/main" xmlns="" id="{1595A7D1-60FB-4A72-A8BF-61DB099623A5}"/>
               </a:ext>
             </a:extLst>
           </p:cNvPr>
